--- a/Workshop_Slides/Eagle CAD/Eagle CAD Workshop (1).pptx
+++ b/Workshop_Slides/Eagle CAD/Eagle CAD Workshop (1).pptx
@@ -17,13 +17,6 @@
     <p:sldId id="265" r:id="rId11"/>
     <p:sldId id="266" r:id="rId12"/>
     <p:sldId id="267" r:id="rId13"/>
-    <p:sldId id="269" r:id="rId14"/>
-    <p:sldId id="268" r:id="rId15"/>
-    <p:sldId id="270" r:id="rId16"/>
-    <p:sldId id="271" r:id="rId17"/>
-    <p:sldId id="272" r:id="rId18"/>
-    <p:sldId id="273" r:id="rId19"/>
-    <p:sldId id="274" r:id="rId20"/>
   </p:sldIdLst>
   <p:sldSz cx="9144000" cy="6858000" type="screen4x3"/>
   <p:notesSz cx="6858000" cy="9144000"/>
@@ -332,7 +325,7 @@
           <a:p>
             <a:fld id="{B3B53DAC-3A6D-4270-B5CE-9B660B940AF3}" type="datetimeFigureOut">
               <a:rPr lang="en-US" smtClean="0"/>
-              <a:t>8/21/2017</a:t>
+              <a:t>8/29/2017</a:t>
             </a:fld>
             <a:endParaRPr lang="en-US"/>
           </a:p>
@@ -526,7 +519,7 @@
           <a:p>
             <a:fld id="{B3B53DAC-3A6D-4270-B5CE-9B660B940AF3}" type="datetimeFigureOut">
               <a:rPr lang="en-US" smtClean="0"/>
-              <a:t>8/21/2017</a:t>
+              <a:t>8/29/2017</a:t>
             </a:fld>
             <a:endParaRPr lang="en-US"/>
           </a:p>
@@ -714,7 +707,7 @@
           <a:p>
             <a:fld id="{B3B53DAC-3A6D-4270-B5CE-9B660B940AF3}" type="datetimeFigureOut">
               <a:rPr lang="en-US" smtClean="0"/>
-              <a:t>8/21/2017</a:t>
+              <a:t>8/29/2017</a:t>
             </a:fld>
             <a:endParaRPr lang="en-US"/>
           </a:p>
@@ -943,7 +936,7 @@
           <a:p>
             <a:fld id="{B3B53DAC-3A6D-4270-B5CE-9B660B940AF3}" type="datetimeFigureOut">
               <a:rPr lang="en-US" smtClean="0"/>
-              <a:t>8/21/2017</a:t>
+              <a:t>8/29/2017</a:t>
             </a:fld>
             <a:endParaRPr lang="en-US"/>
           </a:p>
@@ -1224,7 +1217,7 @@
           <a:p>
             <a:fld id="{B3B53DAC-3A6D-4270-B5CE-9B660B940AF3}" type="datetimeFigureOut">
               <a:rPr lang="en-US" smtClean="0"/>
-              <a:t>8/21/2017</a:t>
+              <a:t>8/29/2017</a:t>
             </a:fld>
             <a:endParaRPr lang="en-US"/>
           </a:p>
@@ -1512,7 +1505,7 @@
           <a:p>
             <a:fld id="{B3B53DAC-3A6D-4270-B5CE-9B660B940AF3}" type="datetimeFigureOut">
               <a:rPr lang="en-US" smtClean="0"/>
-              <a:t>8/21/2017</a:t>
+              <a:t>8/29/2017</a:t>
             </a:fld>
             <a:endParaRPr lang="en-US"/>
           </a:p>
@@ -2066,7 +2059,7 @@
           <a:p>
             <a:fld id="{B3B53DAC-3A6D-4270-B5CE-9B660B940AF3}" type="datetimeFigureOut">
               <a:rPr lang="en-US" smtClean="0"/>
-              <a:t>8/21/2017</a:t>
+              <a:t>8/29/2017</a:t>
             </a:fld>
             <a:endParaRPr lang="en-US"/>
           </a:p>
@@ -2197,7 +2190,7 @@
           <a:p>
             <a:fld id="{B3B53DAC-3A6D-4270-B5CE-9B660B940AF3}" type="datetimeFigureOut">
               <a:rPr lang="en-US" smtClean="0"/>
-              <a:t>8/21/2017</a:t>
+              <a:t>8/29/2017</a:t>
             </a:fld>
             <a:endParaRPr lang="en-US"/>
           </a:p>
@@ -2347,7 +2340,7 @@
           <a:p>
             <a:fld id="{B3B53DAC-3A6D-4270-B5CE-9B660B940AF3}" type="datetimeFigureOut">
               <a:rPr lang="en-US" smtClean="0"/>
-              <a:t>8/21/2017</a:t>
+              <a:t>8/29/2017</a:t>
             </a:fld>
             <a:endParaRPr lang="en-US"/>
           </a:p>
@@ -2668,7 +2661,7 @@
           <a:p>
             <a:fld id="{B3B53DAC-3A6D-4270-B5CE-9B660B940AF3}" type="datetimeFigureOut">
               <a:rPr lang="en-US" smtClean="0"/>
-              <a:t>8/21/2017</a:t>
+              <a:t>8/29/2017</a:t>
             </a:fld>
             <a:endParaRPr lang="en-US"/>
           </a:p>
@@ -2965,7 +2958,7 @@
           <a:p>
             <a:fld id="{B3B53DAC-3A6D-4270-B5CE-9B660B940AF3}" type="datetimeFigureOut">
               <a:rPr lang="en-US" smtClean="0"/>
-              <a:t>8/21/2017</a:t>
+              <a:t>8/29/2017</a:t>
             </a:fld>
             <a:endParaRPr lang="en-US"/>
           </a:p>
@@ -3210,7 +3203,7 @@
           <a:p>
             <a:fld id="{B3B53DAC-3A6D-4270-B5CE-9B660B940AF3}" type="datetimeFigureOut">
               <a:rPr lang="en-US" smtClean="0"/>
-              <a:t>8/21/2017</a:t>
+              <a:t>8/29/2017</a:t>
             </a:fld>
             <a:endParaRPr lang="en-US"/>
           </a:p>
@@ -3715,7 +3708,11 @@
           <a:p>
             <a:r>
               <a:rPr lang="en-US" dirty="0" smtClean="0"/>
-              <a:t>Eagle CAD Workshop (1)</a:t>
+              <a:t>Eagle CAD Workshop </a:t>
+            </a:r>
+            <a:r>
+              <a:rPr lang="en-US" dirty="0" smtClean="0"/>
+              <a:t>(1)</a:t>
             </a:r>
             <a:endParaRPr lang="en-US" dirty="0"/>
           </a:p>
@@ -3738,7 +3735,7 @@
           <a:p>
             <a:r>
               <a:rPr lang="en-US" dirty="0" smtClean="0"/>
-              <a:t>Preliminary Meeting</a:t>
+              <a:t>Common Rules for Schematic Design</a:t>
             </a:r>
             <a:endParaRPr lang="en-US" dirty="0"/>
           </a:p>
@@ -3793,52 +3790,64 @@
         </p:nvSpPr>
         <p:spPr/>
         <p:txBody>
-          <a:bodyPr>
-            <a:normAutofit fontScale="90000"/>
-          </a:bodyPr>
+          <a:bodyPr/>
           <a:lstStyle/>
           <a:p>
             <a:r>
               <a:rPr lang="en-US" dirty="0" smtClean="0"/>
-              <a:t>To Update Repository…(Cont.)</a:t>
+              <a:t>Short and Concise Names!</a:t>
             </a:r>
             <a:endParaRPr lang="en-US" dirty="0"/>
           </a:p>
         </p:txBody>
       </p:sp>
-      <p:pic>
-        <p:nvPicPr>
-          <p:cNvPr id="4" name="Content Placeholder 3"/>
-          <p:cNvPicPr>
-            <a:picLocks noGrp="1" noChangeAspect="1"/>
-          </p:cNvPicPr>
+      <p:sp>
+        <p:nvSpPr>
+          <p:cNvPr id="3" name="Content Placeholder 2"/>
+          <p:cNvSpPr>
+            <a:spLocks noGrp="1"/>
+          </p:cNvSpPr>
           <p:nvPr>
             <p:ph idx="1"/>
           </p:nvPr>
-        </p:nvPicPr>
-        <p:blipFill>
-          <a:blip r:embed="rId2">
-            <a:extLst>
-              <a:ext uri="{28A0092B-C50C-407E-A947-70E740481C1C}">
-                <a14:useLocalDpi xmlns:a14="http://schemas.microsoft.com/office/drawing/2010/main" val="0"/>
-              </a:ext>
-            </a:extLst>
-          </a:blip>
-          <a:stretch>
-            <a:fillRect/>
-          </a:stretch>
-        </p:blipFill>
-        <p:spPr>
-          <a:xfrm>
-            <a:off x="457200" y="1524000"/>
-            <a:ext cx="8229600" cy="493776"/>
-          </a:xfrm>
-        </p:spPr>
-      </p:pic>
+        </p:nvSpPr>
+        <p:spPr/>
+        <p:txBody>
+          <a:bodyPr/>
+          <a:lstStyle/>
+          <a:p>
+            <a:r>
+              <a:rPr lang="en-US" dirty="0" smtClean="0"/>
+              <a:t>Let’s say a resistor with two different name…</a:t>
+            </a:r>
+          </a:p>
+          <a:p>
+            <a:pPr lvl="1"/>
+            <a:r>
+              <a:rPr lang="en-US" dirty="0" smtClean="0"/>
+              <a:t>10k 5% Resistor for current limiting</a:t>
+            </a:r>
+          </a:p>
+          <a:p>
+            <a:pPr lvl="1"/>
+            <a:r>
+              <a:rPr lang="en-US" dirty="0" smtClean="0"/>
+              <a:t>R1 10k 5%</a:t>
+            </a:r>
+          </a:p>
+          <a:p>
+            <a:r>
+              <a:rPr lang="en-US" dirty="0" smtClean="0"/>
+              <a:t>Which would look more clear when placed in a schematic</a:t>
+            </a:r>
+            <a:endParaRPr lang="en-US" dirty="0"/>
+          </a:p>
+        </p:txBody>
+      </p:sp>
     </p:spTree>
     <p:extLst>
       <p:ext uri="{BB962C8B-B14F-4D97-AF65-F5344CB8AC3E}">
-        <p14:creationId xmlns:p14="http://schemas.microsoft.com/office/powerpoint/2010/main" val="3181152070"/>
+        <p14:creationId xmlns:p14="http://schemas.microsoft.com/office/powerpoint/2010/main" val="1715663233"/>
       </p:ext>
     </p:extLst>
   </p:cSld>
@@ -3882,7 +3891,7 @@
           <a:p>
             <a:r>
               <a:rPr lang="en-US" dirty="0" smtClean="0"/>
-              <a:t>Eagle CAD Installation</a:t>
+              <a:t>UPPER CASES!</a:t>
             </a:r>
             <a:endParaRPr lang="en-US" dirty="0"/>
           </a:p>
@@ -3905,48 +3914,28 @@
           <a:p>
             <a:r>
               <a:rPr lang="en-US" dirty="0" smtClean="0"/>
-              <a:t>Provided by </a:t>
-            </a:r>
-            <a:r>
-              <a:rPr lang="en-US" dirty="0" err="1" smtClean="0"/>
-              <a:t>AutoDesk</a:t>
-            </a:r>
-            <a:endParaRPr lang="en-US" dirty="0" smtClean="0"/>
-          </a:p>
-          <a:p>
-            <a:r>
-              <a:rPr lang="en-US" dirty="0" smtClean="0"/>
-              <a:t>Up to 2 schematic sheets, 2 signal layers, and up to 80cm^2</a:t>
-            </a:r>
-          </a:p>
-          <a:p>
-            <a:r>
-              <a:rPr lang="en-US" dirty="0">
-                <a:hlinkClick r:id="rId2"/>
-              </a:rPr>
-              <a:t>https://</a:t>
-            </a:r>
-            <a:r>
-              <a:rPr lang="en-US" dirty="0" smtClean="0">
-                <a:hlinkClick r:id="rId2"/>
-              </a:rPr>
-              <a:t>www.autodesk.com/products/eagle/free-download</a:t>
-            </a:r>
-            <a:endParaRPr lang="en-US" dirty="0" smtClean="0"/>
-          </a:p>
-          <a:p>
-            <a:r>
-              <a:rPr lang="en-US" dirty="0" smtClean="0"/>
-              <a:t>Download, then install</a:t>
-            </a:r>
-          </a:p>
-          <a:p>
-            <a:r>
-              <a:rPr lang="en-US" dirty="0" smtClean="0"/>
-              <a:t>You MUST have Autodesk account to use the software!</a:t>
-            </a:r>
-          </a:p>
-          <a:p>
+              <a:t>Obvious reason, this allows components and nets/wires to stick out from schematics.</a:t>
+            </a:r>
+          </a:p>
+          <a:p>
+            <a:r>
+              <a:rPr lang="en-US" dirty="0" smtClean="0"/>
+              <a:t>You can use small cases for comments; just make sure to use UPPER CASES even when you are writing components in comments!</a:t>
+            </a:r>
+          </a:p>
+          <a:p>
+            <a:pPr lvl="1"/>
+            <a:r>
+              <a:rPr lang="en-US" dirty="0" smtClean="0"/>
+              <a:t>Component u1 is microcontroller</a:t>
+            </a:r>
+          </a:p>
+          <a:p>
+            <a:pPr lvl="1"/>
+            <a:r>
+              <a:rPr lang="en-US" dirty="0" smtClean="0"/>
+              <a:t>Component U1 is microcontroller</a:t>
+            </a:r>
             <a:endParaRPr lang="en-US" dirty="0"/>
           </a:p>
         </p:txBody>
@@ -3954,7 +3943,7 @@
     </p:spTree>
     <p:extLst>
       <p:ext uri="{BB962C8B-B14F-4D97-AF65-F5344CB8AC3E}">
-        <p14:creationId xmlns:p14="http://schemas.microsoft.com/office/powerpoint/2010/main" val="3329209214"/>
+        <p14:creationId xmlns:p14="http://schemas.microsoft.com/office/powerpoint/2010/main" val="3820171041"/>
       </p:ext>
     </p:extLst>
   </p:cSld>
@@ -3998,7 +3987,7 @@
           <a:p>
             <a:r>
               <a:rPr lang="en-US" dirty="0" smtClean="0"/>
-              <a:t>Setting up the Software</a:t>
+              <a:t>Dots connect, Crosses Don’t</a:t>
             </a:r>
             <a:endParaRPr lang="en-US" dirty="0"/>
           </a:p>
@@ -4021,899 +4010,66 @@
           <a:p>
             <a:r>
               <a:rPr lang="en-US" dirty="0" smtClean="0"/>
-              <a:t>Once Control Panel for Eagle CAD opens, click Options &gt; Directories…</a:t>
-            </a:r>
-          </a:p>
-          <a:p>
-            <a:r>
-              <a:rPr lang="en-US" dirty="0" smtClean="0"/>
-              <a:t>For Libraries, add a semicolon and add path to your library directory</a:t>
-            </a:r>
-          </a:p>
-          <a:p>
-            <a:pPr lvl="1"/>
-            <a:r>
-              <a:rPr lang="en-US" dirty="0" smtClean="0"/>
-              <a:t>For example</a:t>
-            </a:r>
-            <a:r>
-              <a:rPr lang="en-US" dirty="0"/>
-              <a:t>; $EAGLEDIR\</a:t>
-            </a:r>
-            <a:r>
-              <a:rPr lang="en-US" dirty="0" err="1"/>
-              <a:t>lbr</a:t>
-            </a:r>
-            <a:r>
-              <a:rPr lang="en-US" dirty="0"/>
-              <a:t>; D:\EAGLE </a:t>
-            </a:r>
-            <a:r>
-              <a:rPr lang="en-US" dirty="0" smtClean="0"/>
-              <a:t>FILES\LIBRARIES</a:t>
-            </a:r>
-          </a:p>
-          <a:p>
-            <a:pPr lvl="1"/>
-            <a:r>
-              <a:rPr lang="en-US" dirty="0" smtClean="0"/>
-              <a:t>For Projects, delete original directory and add path to your own project directory</a:t>
-            </a:r>
-          </a:p>
-          <a:p>
-            <a:pPr lvl="1"/>
-            <a:r>
-              <a:rPr lang="en-US" dirty="0"/>
-              <a:t>For example; D:\EAGLE FILES\PROJECTS</a:t>
-            </a:r>
-          </a:p>
-        </p:txBody>
-      </p:sp>
+              <a:t>If you see dots between two or more nets, they are connected.</a:t>
+            </a:r>
+          </a:p>
+          <a:p>
+            <a:r>
+              <a:rPr lang="en-US" dirty="0" smtClean="0"/>
+              <a:t>If two or more nets are</a:t>
+            </a:r>
+            <a:br>
+              <a:rPr lang="en-US" dirty="0" smtClean="0"/>
+            </a:br>
+            <a:r>
+              <a:rPr lang="en-US" dirty="0" smtClean="0"/>
+              <a:t>crossed, they are NOT</a:t>
+            </a:r>
+            <a:br>
+              <a:rPr lang="en-US" dirty="0" smtClean="0"/>
+            </a:br>
+            <a:r>
+              <a:rPr lang="en-US" dirty="0" smtClean="0"/>
+              <a:t>connected.</a:t>
+            </a:r>
+            <a:endParaRPr lang="en-US" dirty="0"/>
+          </a:p>
+        </p:txBody>
+      </p:sp>
+      <p:pic>
+        <p:nvPicPr>
+          <p:cNvPr id="4" name="Picture 3"/>
+          <p:cNvPicPr>
+            <a:picLocks noChangeAspect="1"/>
+          </p:cNvPicPr>
+          <p:nvPr/>
+        </p:nvPicPr>
+        <p:blipFill>
+          <a:blip r:embed="rId2">
+            <a:extLst>
+              <a:ext uri="{28A0092B-C50C-407E-A947-70E740481C1C}">
+                <a14:useLocalDpi xmlns:a14="http://schemas.microsoft.com/office/drawing/2010/main" val="0"/>
+              </a:ext>
+            </a:extLst>
+          </a:blip>
+          <a:stretch>
+            <a:fillRect/>
+          </a:stretch>
+        </p:blipFill>
+        <p:spPr>
+          <a:xfrm>
+            <a:off x="6172200" y="2438400"/>
+            <a:ext cx="2281300" cy="3667839"/>
+          </a:xfrm>
+          <a:prstGeom prst="rect">
+            <a:avLst/>
+          </a:prstGeom>
+        </p:spPr>
+      </p:pic>
     </p:spTree>
     <p:extLst>
       <p:ext uri="{BB962C8B-B14F-4D97-AF65-F5344CB8AC3E}">
-        <p14:creationId xmlns:p14="http://schemas.microsoft.com/office/powerpoint/2010/main" val="1568041072"/>
-      </p:ext>
-    </p:extLst>
-  </p:cSld>
-  <p:clrMapOvr>
-    <a:masterClrMapping/>
-  </p:clrMapOvr>
-</p:sld>
-</file>
-
-<file path=ppt/slides/slide13.xml><?xml version="1.0" encoding="utf-8"?>
-<p:sld xmlns:a="http://schemas.openxmlformats.org/drawingml/2006/main" xmlns:r="http://schemas.openxmlformats.org/officeDocument/2006/relationships" xmlns:p="http://schemas.openxmlformats.org/presentationml/2006/main">
-  <p:cSld>
-    <p:spTree>
-      <p:nvGrpSpPr>
-        <p:cNvPr id="1" name=""/>
-        <p:cNvGrpSpPr/>
-        <p:nvPr/>
-      </p:nvGrpSpPr>
-      <p:grpSpPr>
-        <a:xfrm>
-          <a:off x="0" y="0"/>
-          <a:ext cx="0" cy="0"/>
-          <a:chOff x="0" y="0"/>
-          <a:chExt cx="0" cy="0"/>
-        </a:xfrm>
-      </p:grpSpPr>
-      <p:sp>
-        <p:nvSpPr>
-          <p:cNvPr id="2" name="Title 1"/>
-          <p:cNvSpPr>
-            <a:spLocks noGrp="1"/>
-          </p:cNvSpPr>
-          <p:nvPr>
-            <p:ph type="title"/>
-          </p:nvPr>
-        </p:nvSpPr>
-        <p:spPr/>
-        <p:txBody>
-          <a:bodyPr/>
-          <a:lstStyle/>
-          <a:p>
-            <a:r>
-              <a:rPr lang="en-US" dirty="0" smtClean="0"/>
-              <a:t>Backup/Locking</a:t>
-            </a:r>
-            <a:endParaRPr lang="en-US" dirty="0"/>
-          </a:p>
-        </p:txBody>
-      </p:sp>
-      <p:sp>
-        <p:nvSpPr>
-          <p:cNvPr id="3" name="Content Placeholder 2"/>
-          <p:cNvSpPr>
-            <a:spLocks noGrp="1"/>
-          </p:cNvSpPr>
-          <p:nvPr>
-            <p:ph idx="1"/>
-          </p:nvPr>
-        </p:nvSpPr>
-        <p:spPr/>
-        <p:txBody>
-          <a:bodyPr>
-            <a:normAutofit lnSpcReduction="10000"/>
-          </a:bodyPr>
-          <a:lstStyle/>
-          <a:p>
-            <a:r>
-              <a:rPr lang="en-US" dirty="0" smtClean="0"/>
-              <a:t>In Control Panel, Click on Options &gt; Backup / Locking…</a:t>
-            </a:r>
-          </a:p>
-          <a:p>
-            <a:r>
-              <a:rPr lang="en-US" dirty="0" smtClean="0"/>
-              <a:t>We do not want any backup or locking for files. This will cause mess in our project folder.</a:t>
-            </a:r>
-          </a:p>
-          <a:p>
-            <a:r>
-              <a:rPr lang="en-US" dirty="0" smtClean="0"/>
-              <a:t>Set Maximum Backup level to zero (0)</a:t>
-            </a:r>
-          </a:p>
-          <a:p>
-            <a:r>
-              <a:rPr lang="en-US" dirty="0" smtClean="0"/>
-              <a:t>Set Auto Save interval to ‘off’</a:t>
-            </a:r>
-          </a:p>
-          <a:p>
-            <a:r>
-              <a:rPr lang="en-US" dirty="0" smtClean="0"/>
-              <a:t>Uncheck ‘Enable File Locking’</a:t>
-            </a:r>
-          </a:p>
-          <a:p>
-            <a:r>
-              <a:rPr lang="en-US" dirty="0" smtClean="0"/>
-              <a:t>You can leave ‘Automatically save project file’ checked.</a:t>
-            </a:r>
-            <a:endParaRPr lang="en-US" dirty="0"/>
-          </a:p>
-        </p:txBody>
-      </p:sp>
-    </p:spTree>
-    <p:extLst>
-      <p:ext uri="{BB962C8B-B14F-4D97-AF65-F5344CB8AC3E}">
-        <p14:creationId xmlns:p14="http://schemas.microsoft.com/office/powerpoint/2010/main" val="1647562440"/>
-      </p:ext>
-    </p:extLst>
-  </p:cSld>
-  <p:clrMapOvr>
-    <a:masterClrMapping/>
-  </p:clrMapOvr>
-</p:sld>
-</file>
-
-<file path=ppt/slides/slide14.xml><?xml version="1.0" encoding="utf-8"?>
-<p:sld xmlns:a="http://schemas.openxmlformats.org/drawingml/2006/main" xmlns:r="http://schemas.openxmlformats.org/officeDocument/2006/relationships" xmlns:p="http://schemas.openxmlformats.org/presentationml/2006/main">
-  <p:cSld>
-    <p:spTree>
-      <p:nvGrpSpPr>
-        <p:cNvPr id="1" name=""/>
-        <p:cNvGrpSpPr/>
-        <p:nvPr/>
-      </p:nvGrpSpPr>
-      <p:grpSpPr>
-        <a:xfrm>
-          <a:off x="0" y="0"/>
-          <a:ext cx="0" cy="0"/>
-          <a:chOff x="0" y="0"/>
-          <a:chExt cx="0" cy="0"/>
-        </a:xfrm>
-      </p:grpSpPr>
-      <p:sp>
-        <p:nvSpPr>
-          <p:cNvPr id="2" name="Title 1"/>
-          <p:cNvSpPr>
-            <a:spLocks noGrp="1"/>
-          </p:cNvSpPr>
-          <p:nvPr>
-            <p:ph type="title"/>
-          </p:nvPr>
-        </p:nvSpPr>
-        <p:spPr/>
-        <p:txBody>
-          <a:bodyPr/>
-          <a:lstStyle/>
-          <a:p>
-            <a:r>
-              <a:rPr lang="en-US" dirty="0" smtClean="0"/>
-              <a:t>Setting up the Software</a:t>
-            </a:r>
-            <a:endParaRPr lang="en-US" dirty="0"/>
-          </a:p>
-        </p:txBody>
-      </p:sp>
-      <p:sp>
-        <p:nvSpPr>
-          <p:cNvPr id="3" name="Content Placeholder 2"/>
-          <p:cNvSpPr>
-            <a:spLocks noGrp="1"/>
-          </p:cNvSpPr>
-          <p:nvPr>
-            <p:ph idx="1"/>
-          </p:nvPr>
-        </p:nvSpPr>
-        <p:spPr/>
-        <p:txBody>
-          <a:bodyPr>
-            <a:normAutofit lnSpcReduction="10000"/>
-          </a:bodyPr>
-          <a:lstStyle/>
-          <a:p>
-            <a:r>
-              <a:rPr lang="en-US" dirty="0" smtClean="0"/>
-              <a:t>In Control Panel, press F5 to refresh the libraries and project directories.</a:t>
-            </a:r>
-          </a:p>
-          <a:p>
-            <a:r>
-              <a:rPr lang="en-US" dirty="0" smtClean="0"/>
-              <a:t>Right click on Projects, click on New Project</a:t>
-            </a:r>
-          </a:p>
-          <a:p>
-            <a:r>
-              <a:rPr lang="en-US" dirty="0" smtClean="0"/>
-              <a:t>Name the new project as </a:t>
-            </a:r>
-            <a:r>
-              <a:rPr lang="en-US" dirty="0" err="1" smtClean="0"/>
-              <a:t>Workshop_Projects</a:t>
-            </a:r>
-            <a:endParaRPr lang="en-US" dirty="0" smtClean="0"/>
-          </a:p>
-          <a:p>
-            <a:r>
-              <a:rPr lang="en-US" dirty="0" smtClean="0"/>
-              <a:t>Right click on </a:t>
-            </a:r>
-            <a:r>
-              <a:rPr lang="en-US" dirty="0" err="1" smtClean="0"/>
-              <a:t>Workshop_Projects</a:t>
-            </a:r>
-            <a:r>
-              <a:rPr lang="en-US" dirty="0" smtClean="0"/>
-              <a:t>, then click New &gt; Schematic</a:t>
-            </a:r>
-          </a:p>
-          <a:p>
-            <a:r>
-              <a:rPr lang="en-US" dirty="0" smtClean="0"/>
-              <a:t>Now we will modify some file specific settings.</a:t>
-            </a:r>
-            <a:endParaRPr lang="en-US" dirty="0"/>
-          </a:p>
-        </p:txBody>
-      </p:sp>
-    </p:spTree>
-    <p:extLst>
-      <p:ext uri="{BB962C8B-B14F-4D97-AF65-F5344CB8AC3E}">
-        <p14:creationId xmlns:p14="http://schemas.microsoft.com/office/powerpoint/2010/main" val="4171430112"/>
-      </p:ext>
-    </p:extLst>
-  </p:cSld>
-  <p:clrMapOvr>
-    <a:masterClrMapping/>
-  </p:clrMapOvr>
-</p:sld>
-</file>
-
-<file path=ppt/slides/slide15.xml><?xml version="1.0" encoding="utf-8"?>
-<p:sld xmlns:a="http://schemas.openxmlformats.org/drawingml/2006/main" xmlns:r="http://schemas.openxmlformats.org/officeDocument/2006/relationships" xmlns:p="http://schemas.openxmlformats.org/presentationml/2006/main">
-  <p:cSld>
-    <p:spTree>
-      <p:nvGrpSpPr>
-        <p:cNvPr id="1" name=""/>
-        <p:cNvGrpSpPr/>
-        <p:nvPr/>
-      </p:nvGrpSpPr>
-      <p:grpSpPr>
-        <a:xfrm>
-          <a:off x="0" y="0"/>
-          <a:ext cx="0" cy="0"/>
-          <a:chOff x="0" y="0"/>
-          <a:chExt cx="0" cy="0"/>
-        </a:xfrm>
-      </p:grpSpPr>
-      <p:sp>
-        <p:nvSpPr>
-          <p:cNvPr id="2" name="Title 1"/>
-          <p:cNvSpPr>
-            <a:spLocks noGrp="1"/>
-          </p:cNvSpPr>
-          <p:nvPr>
-            <p:ph type="title"/>
-          </p:nvPr>
-        </p:nvSpPr>
-        <p:spPr/>
-        <p:txBody>
-          <a:bodyPr/>
-          <a:lstStyle/>
-          <a:p>
-            <a:r>
-              <a:rPr lang="en-US" dirty="0" smtClean="0"/>
-              <a:t>Key Assignment</a:t>
-            </a:r>
-            <a:endParaRPr lang="en-US" dirty="0"/>
-          </a:p>
-        </p:txBody>
-      </p:sp>
-      <p:sp>
-        <p:nvSpPr>
-          <p:cNvPr id="3" name="Content Placeholder 2"/>
-          <p:cNvSpPr>
-            <a:spLocks noGrp="1"/>
-          </p:cNvSpPr>
-          <p:nvPr>
-            <p:ph idx="1"/>
-          </p:nvPr>
-        </p:nvSpPr>
-        <p:spPr/>
-        <p:txBody>
-          <a:bodyPr>
-            <a:normAutofit fontScale="77500" lnSpcReduction="20000"/>
-          </a:bodyPr>
-          <a:lstStyle/>
-          <a:p>
-            <a:r>
-              <a:rPr lang="en-US" dirty="0" smtClean="0"/>
-              <a:t>Within schematics </a:t>
-            </a:r>
-            <a:r>
-              <a:rPr lang="en-US" dirty="0"/>
-              <a:t>w</a:t>
-            </a:r>
-            <a:r>
-              <a:rPr lang="en-US" dirty="0" smtClean="0"/>
-              <a:t>indow, click on Options &gt; Assign…</a:t>
-            </a:r>
-          </a:p>
-          <a:p>
-            <a:r>
-              <a:rPr lang="en-US" dirty="0" smtClean="0"/>
-              <a:t>Delete Alt+F2 function.</a:t>
-            </a:r>
-          </a:p>
-          <a:p>
-            <a:r>
-              <a:rPr lang="en-US" dirty="0" smtClean="0"/>
-              <a:t>Double click on F2 function and change command to ‘add’</a:t>
-            </a:r>
-          </a:p>
-          <a:p>
-            <a:r>
-              <a:rPr lang="en-US" dirty="0" smtClean="0"/>
-              <a:t>Change other functions as follows;</a:t>
-            </a:r>
-          </a:p>
-          <a:p>
-            <a:pPr lvl="1"/>
-            <a:r>
-              <a:rPr lang="en-US" dirty="0" smtClean="0"/>
-              <a:t>F2 -&gt; add</a:t>
-            </a:r>
-          </a:p>
-          <a:p>
-            <a:pPr lvl="1"/>
-            <a:r>
-              <a:rPr lang="en-US" dirty="0" smtClean="0"/>
-              <a:t>F3 -&gt; group</a:t>
-            </a:r>
-          </a:p>
-          <a:p>
-            <a:pPr lvl="1"/>
-            <a:r>
-              <a:rPr lang="en-US" dirty="0" smtClean="0"/>
-              <a:t>F4 -&gt; move</a:t>
-            </a:r>
-          </a:p>
-          <a:p>
-            <a:pPr lvl="1"/>
-            <a:r>
-              <a:rPr lang="en-US" dirty="0" smtClean="0"/>
-              <a:t>F5 -&gt; net</a:t>
-            </a:r>
-          </a:p>
-          <a:p>
-            <a:pPr lvl="1"/>
-            <a:r>
-              <a:rPr lang="en-US" dirty="0" smtClean="0"/>
-              <a:t>F6 -&gt; name</a:t>
-            </a:r>
-          </a:p>
-          <a:p>
-            <a:pPr lvl="1"/>
-            <a:r>
-              <a:rPr lang="en-US" dirty="0" smtClean="0"/>
-              <a:t>F7 -&gt; value</a:t>
-            </a:r>
-          </a:p>
-          <a:p>
-            <a:pPr lvl="1"/>
-            <a:r>
-              <a:rPr lang="en-US" dirty="0" smtClean="0"/>
-              <a:t>F8 -&gt; delete</a:t>
-            </a:r>
-          </a:p>
-          <a:p>
-            <a:pPr lvl="1"/>
-            <a:r>
-              <a:rPr lang="en-US" dirty="0" smtClean="0"/>
-              <a:t>F9 -&gt; grid</a:t>
-            </a:r>
-            <a:endParaRPr lang="en-US" dirty="0"/>
-          </a:p>
-        </p:txBody>
-      </p:sp>
-    </p:spTree>
-    <p:extLst>
-      <p:ext uri="{BB962C8B-B14F-4D97-AF65-F5344CB8AC3E}">
-        <p14:creationId xmlns:p14="http://schemas.microsoft.com/office/powerpoint/2010/main" val="3342195037"/>
-      </p:ext>
-    </p:extLst>
-  </p:cSld>
-  <p:clrMapOvr>
-    <a:masterClrMapping/>
-  </p:clrMapOvr>
-</p:sld>
-</file>
-
-<file path=ppt/slides/slide16.xml><?xml version="1.0" encoding="utf-8"?>
-<p:sld xmlns:a="http://schemas.openxmlformats.org/drawingml/2006/main" xmlns:r="http://schemas.openxmlformats.org/officeDocument/2006/relationships" xmlns:p="http://schemas.openxmlformats.org/presentationml/2006/main">
-  <p:cSld>
-    <p:spTree>
-      <p:nvGrpSpPr>
-        <p:cNvPr id="1" name=""/>
-        <p:cNvGrpSpPr/>
-        <p:nvPr/>
-      </p:nvGrpSpPr>
-      <p:grpSpPr>
-        <a:xfrm>
-          <a:off x="0" y="0"/>
-          <a:ext cx="0" cy="0"/>
-          <a:chOff x="0" y="0"/>
-          <a:chExt cx="0" cy="0"/>
-        </a:xfrm>
-      </p:grpSpPr>
-      <p:sp>
-        <p:nvSpPr>
-          <p:cNvPr id="2" name="Title 1"/>
-          <p:cNvSpPr>
-            <a:spLocks noGrp="1"/>
-          </p:cNvSpPr>
-          <p:nvPr>
-            <p:ph type="title"/>
-          </p:nvPr>
-        </p:nvSpPr>
-        <p:spPr/>
-        <p:txBody>
-          <a:bodyPr/>
-          <a:lstStyle/>
-          <a:p>
-            <a:r>
-              <a:rPr lang="en-US" dirty="0" smtClean="0"/>
-              <a:t>Key Assignment (Cont.)</a:t>
-            </a:r>
-            <a:endParaRPr lang="en-US" dirty="0"/>
-          </a:p>
-        </p:txBody>
-      </p:sp>
-      <p:sp>
-        <p:nvSpPr>
-          <p:cNvPr id="3" name="Content Placeholder 2"/>
-          <p:cNvSpPr>
-            <a:spLocks noGrp="1"/>
-          </p:cNvSpPr>
-          <p:nvPr>
-            <p:ph idx="1"/>
-          </p:nvPr>
-        </p:nvSpPr>
-        <p:spPr/>
-        <p:txBody>
-          <a:bodyPr/>
-          <a:lstStyle/>
-          <a:p>
-            <a:r>
-              <a:rPr lang="en-US" dirty="0" smtClean="0"/>
-              <a:t>Within schematics window, click on Options &gt; Set…</a:t>
-            </a:r>
-          </a:p>
-          <a:p>
-            <a:r>
-              <a:rPr lang="en-US" dirty="0" smtClean="0"/>
-              <a:t>Click on </a:t>
-            </a:r>
-            <a:r>
-              <a:rPr lang="en-US" dirty="0" err="1" smtClean="0"/>
-              <a:t>Misc</a:t>
-            </a:r>
-            <a:r>
-              <a:rPr lang="en-US" dirty="0" smtClean="0"/>
-              <a:t> tab</a:t>
-            </a:r>
-          </a:p>
-          <a:p>
-            <a:r>
-              <a:rPr lang="en-US" dirty="0" smtClean="0"/>
-              <a:t>Uncheck</a:t>
-            </a:r>
-          </a:p>
-          <a:p>
-            <a:pPr lvl="1"/>
-            <a:r>
-              <a:rPr lang="en-US" dirty="0" smtClean="0"/>
-              <a:t>Auto set route width and drill</a:t>
-            </a:r>
-          </a:p>
-          <a:p>
-            <a:pPr lvl="1"/>
-            <a:r>
-              <a:rPr lang="en-US" dirty="0" smtClean="0"/>
-              <a:t>Group command default on</a:t>
-            </a:r>
-          </a:p>
-          <a:p>
-            <a:r>
-              <a:rPr lang="en-US" dirty="0" smtClean="0"/>
-              <a:t>Click OK to save settings</a:t>
-            </a:r>
-          </a:p>
-          <a:p>
-            <a:r>
-              <a:rPr lang="en-US" dirty="0" smtClean="0"/>
-              <a:t>Close the schematics window</a:t>
-            </a:r>
-            <a:endParaRPr lang="en-US" dirty="0"/>
-          </a:p>
-        </p:txBody>
-      </p:sp>
-    </p:spTree>
-    <p:extLst>
-      <p:ext uri="{BB962C8B-B14F-4D97-AF65-F5344CB8AC3E}">
-        <p14:creationId xmlns:p14="http://schemas.microsoft.com/office/powerpoint/2010/main" val="2091446038"/>
-      </p:ext>
-    </p:extLst>
-  </p:cSld>
-  <p:clrMapOvr>
-    <a:masterClrMapping/>
-  </p:clrMapOvr>
-</p:sld>
-</file>
-
-<file path=ppt/slides/slide17.xml><?xml version="1.0" encoding="utf-8"?>
-<p:sld xmlns:a="http://schemas.openxmlformats.org/drawingml/2006/main" xmlns:r="http://schemas.openxmlformats.org/officeDocument/2006/relationships" xmlns:p="http://schemas.openxmlformats.org/presentationml/2006/main">
-  <p:cSld>
-    <p:spTree>
-      <p:nvGrpSpPr>
-        <p:cNvPr id="1" name=""/>
-        <p:cNvGrpSpPr/>
-        <p:nvPr/>
-      </p:nvGrpSpPr>
-      <p:grpSpPr>
-        <a:xfrm>
-          <a:off x="0" y="0"/>
-          <a:ext cx="0" cy="0"/>
-          <a:chOff x="0" y="0"/>
-          <a:chExt cx="0" cy="0"/>
-        </a:xfrm>
-      </p:grpSpPr>
-      <p:sp>
-        <p:nvSpPr>
-          <p:cNvPr id="2" name="Title 1"/>
-          <p:cNvSpPr>
-            <a:spLocks noGrp="1"/>
-          </p:cNvSpPr>
-          <p:nvPr>
-            <p:ph type="title"/>
-          </p:nvPr>
-        </p:nvSpPr>
-        <p:spPr/>
-        <p:txBody>
-          <a:bodyPr/>
-          <a:lstStyle/>
-          <a:p>
-            <a:r>
-              <a:rPr lang="en-US" dirty="0" smtClean="0"/>
-              <a:t>Key Assignment (Cont.)</a:t>
-            </a:r>
-            <a:endParaRPr lang="en-US" dirty="0"/>
-          </a:p>
-        </p:txBody>
-      </p:sp>
-      <p:sp>
-        <p:nvSpPr>
-          <p:cNvPr id="3" name="Content Placeholder 2"/>
-          <p:cNvSpPr>
-            <a:spLocks noGrp="1"/>
-          </p:cNvSpPr>
-          <p:nvPr>
-            <p:ph idx="1"/>
-          </p:nvPr>
-        </p:nvSpPr>
-        <p:spPr/>
-        <p:txBody>
-          <a:bodyPr/>
-          <a:lstStyle/>
-          <a:p>
-            <a:r>
-              <a:rPr lang="en-US" dirty="0" smtClean="0"/>
-              <a:t>In Control Panel, right click on </a:t>
-            </a:r>
-            <a:r>
-              <a:rPr lang="en-US" dirty="0" err="1" smtClean="0"/>
-              <a:t>Workshop_Projects</a:t>
-            </a:r>
-            <a:r>
-              <a:rPr lang="en-US" dirty="0" smtClean="0"/>
-              <a:t>, then click New &gt; Board</a:t>
-            </a:r>
-          </a:p>
-          <a:p>
-            <a:r>
-              <a:rPr lang="en-US" dirty="0" smtClean="0"/>
-              <a:t>Now we will modify some file specific settings.</a:t>
-            </a:r>
-          </a:p>
-          <a:p>
-            <a:r>
-              <a:rPr lang="en-US" dirty="0" smtClean="0"/>
-              <a:t>Within board window, click on Options &gt; Assign…</a:t>
-            </a:r>
-          </a:p>
-          <a:p>
-            <a:r>
-              <a:rPr lang="en-US" dirty="0" smtClean="0"/>
-              <a:t>Change the function assignments as follows;</a:t>
-            </a:r>
-            <a:endParaRPr lang="en-US" dirty="0"/>
-          </a:p>
-        </p:txBody>
-      </p:sp>
-    </p:spTree>
-    <p:extLst>
-      <p:ext uri="{BB962C8B-B14F-4D97-AF65-F5344CB8AC3E}">
-        <p14:creationId xmlns:p14="http://schemas.microsoft.com/office/powerpoint/2010/main" val="193273832"/>
-      </p:ext>
-    </p:extLst>
-  </p:cSld>
-  <p:clrMapOvr>
-    <a:masterClrMapping/>
-  </p:clrMapOvr>
-</p:sld>
-</file>
-
-<file path=ppt/slides/slide18.xml><?xml version="1.0" encoding="utf-8"?>
-<p:sld xmlns:a="http://schemas.openxmlformats.org/drawingml/2006/main" xmlns:r="http://schemas.openxmlformats.org/officeDocument/2006/relationships" xmlns:p="http://schemas.openxmlformats.org/presentationml/2006/main">
-  <p:cSld>
-    <p:spTree>
-      <p:nvGrpSpPr>
-        <p:cNvPr id="1" name=""/>
-        <p:cNvGrpSpPr/>
-        <p:nvPr/>
-      </p:nvGrpSpPr>
-      <p:grpSpPr>
-        <a:xfrm>
-          <a:off x="0" y="0"/>
-          <a:ext cx="0" cy="0"/>
-          <a:chOff x="0" y="0"/>
-          <a:chExt cx="0" cy="0"/>
-        </a:xfrm>
-      </p:grpSpPr>
-      <p:sp>
-        <p:nvSpPr>
-          <p:cNvPr id="2" name="Title 1"/>
-          <p:cNvSpPr>
-            <a:spLocks noGrp="1"/>
-          </p:cNvSpPr>
-          <p:nvPr>
-            <p:ph type="title"/>
-          </p:nvPr>
-        </p:nvSpPr>
-        <p:spPr/>
-        <p:txBody>
-          <a:bodyPr/>
-          <a:lstStyle/>
-          <a:p>
-            <a:r>
-              <a:rPr lang="en-US" dirty="0" smtClean="0"/>
-              <a:t>Key Assignment (Cont.)</a:t>
-            </a:r>
-            <a:endParaRPr lang="en-US" dirty="0"/>
-          </a:p>
-        </p:txBody>
-      </p:sp>
-      <p:sp>
-        <p:nvSpPr>
-          <p:cNvPr id="3" name="Content Placeholder 2"/>
-          <p:cNvSpPr>
-            <a:spLocks noGrp="1"/>
-          </p:cNvSpPr>
-          <p:nvPr>
-            <p:ph idx="1"/>
-          </p:nvPr>
-        </p:nvSpPr>
-        <p:spPr/>
-        <p:txBody>
-          <a:bodyPr>
-            <a:normAutofit lnSpcReduction="10000"/>
-          </a:bodyPr>
-          <a:lstStyle/>
-          <a:p>
-            <a:r>
-              <a:rPr lang="en-US" dirty="0" smtClean="0"/>
-              <a:t>F2 -&gt; rats</a:t>
-            </a:r>
-          </a:p>
-          <a:p>
-            <a:r>
-              <a:rPr lang="en-US" dirty="0" smtClean="0"/>
-              <a:t>F3 -&gt; group</a:t>
-            </a:r>
-          </a:p>
-          <a:p>
-            <a:r>
-              <a:rPr lang="en-US" dirty="0" smtClean="0"/>
-              <a:t>F4 -&gt; move</a:t>
-            </a:r>
-          </a:p>
-          <a:p>
-            <a:r>
-              <a:rPr lang="en-US" dirty="0" smtClean="0"/>
-              <a:t>F5 -&gt; route</a:t>
-            </a:r>
-          </a:p>
-          <a:p>
-            <a:r>
-              <a:rPr lang="en-US" dirty="0" smtClean="0"/>
-              <a:t>F6 -&gt; name</a:t>
-            </a:r>
-          </a:p>
-          <a:p>
-            <a:r>
-              <a:rPr lang="en-US" dirty="0" smtClean="0"/>
-              <a:t>F7 -&gt; value</a:t>
-            </a:r>
-          </a:p>
-          <a:p>
-            <a:r>
-              <a:rPr lang="en-US" dirty="0" smtClean="0"/>
-              <a:t>F8 -&gt; rip</a:t>
-            </a:r>
-          </a:p>
-          <a:p>
-            <a:r>
-              <a:rPr lang="en-US" dirty="0" smtClean="0"/>
-              <a:t>F9 -&gt; grid</a:t>
-            </a:r>
-          </a:p>
-          <a:p>
-            <a:r>
-              <a:rPr lang="en-US" dirty="0" smtClean="0"/>
-              <a:t>Click OK to save the settings</a:t>
-            </a:r>
-          </a:p>
-          <a:p>
-            <a:r>
-              <a:rPr lang="en-US" dirty="0" smtClean="0"/>
-              <a:t>You may close the board design window</a:t>
-            </a:r>
-            <a:endParaRPr lang="en-US" dirty="0"/>
-          </a:p>
-        </p:txBody>
-      </p:sp>
-    </p:spTree>
-    <p:extLst>
-      <p:ext uri="{BB962C8B-B14F-4D97-AF65-F5344CB8AC3E}">
-        <p14:creationId xmlns:p14="http://schemas.microsoft.com/office/powerpoint/2010/main" val="2302082432"/>
-      </p:ext>
-    </p:extLst>
-  </p:cSld>
-  <p:clrMapOvr>
-    <a:masterClrMapping/>
-  </p:clrMapOvr>
-</p:sld>
-</file>
-
-<file path=ppt/slides/slide19.xml><?xml version="1.0" encoding="utf-8"?>
-<p:sld xmlns:a="http://schemas.openxmlformats.org/drawingml/2006/main" xmlns:r="http://schemas.openxmlformats.org/officeDocument/2006/relationships" xmlns:p="http://schemas.openxmlformats.org/presentationml/2006/main">
-  <p:cSld>
-    <p:spTree>
-      <p:nvGrpSpPr>
-        <p:cNvPr id="1" name=""/>
-        <p:cNvGrpSpPr/>
-        <p:nvPr/>
-      </p:nvGrpSpPr>
-      <p:grpSpPr>
-        <a:xfrm>
-          <a:off x="0" y="0"/>
-          <a:ext cx="0" cy="0"/>
-          <a:chOff x="0" y="0"/>
-          <a:chExt cx="0" cy="0"/>
-        </a:xfrm>
-      </p:grpSpPr>
-      <p:sp>
-        <p:nvSpPr>
-          <p:cNvPr id="2" name="Title 1"/>
-          <p:cNvSpPr>
-            <a:spLocks noGrp="1"/>
-          </p:cNvSpPr>
-          <p:nvPr>
-            <p:ph type="title"/>
-          </p:nvPr>
-        </p:nvSpPr>
-        <p:spPr/>
-        <p:txBody>
-          <a:bodyPr/>
-          <a:lstStyle/>
-          <a:p>
-            <a:r>
-              <a:rPr lang="en-US" dirty="0" smtClean="0"/>
-              <a:t>Modify Font Setting</a:t>
-            </a:r>
-            <a:endParaRPr lang="en-US" dirty="0"/>
-          </a:p>
-        </p:txBody>
-      </p:sp>
-      <p:sp>
-        <p:nvSpPr>
-          <p:cNvPr id="3" name="Content Placeholder 2"/>
-          <p:cNvSpPr>
-            <a:spLocks noGrp="1"/>
-          </p:cNvSpPr>
-          <p:nvPr>
-            <p:ph idx="1"/>
-          </p:nvPr>
-        </p:nvSpPr>
-        <p:spPr/>
-        <p:txBody>
-          <a:bodyPr/>
-          <a:lstStyle/>
-          <a:p>
-            <a:r>
-              <a:rPr lang="en-US" dirty="0" smtClean="0"/>
-              <a:t>Within layout window, click Options &gt; User Interface…</a:t>
-            </a:r>
-          </a:p>
-          <a:p>
-            <a:r>
-              <a:rPr lang="en-US" dirty="0" smtClean="0"/>
-              <a:t>Check on following settings</a:t>
-            </a:r>
-          </a:p>
-          <a:p>
-            <a:pPr lvl="1"/>
-            <a:r>
-              <a:rPr lang="en-US" dirty="0" smtClean="0"/>
-              <a:t>Always vector font</a:t>
-            </a:r>
-          </a:p>
-          <a:p>
-            <a:pPr lvl="1"/>
-            <a:r>
-              <a:rPr lang="en-US" dirty="0" smtClean="0"/>
-              <a:t>Persistent in this drawing</a:t>
-            </a:r>
-          </a:p>
-          <a:p>
-            <a:r>
-              <a:rPr lang="en-US" dirty="0" smtClean="0"/>
-              <a:t>You may change the layout and schematic background color and cursor size if you wish. (I use black background with large cursor)</a:t>
-            </a:r>
-            <a:endParaRPr lang="en-US" dirty="0"/>
-          </a:p>
-        </p:txBody>
-      </p:sp>
-    </p:spTree>
-    <p:extLst>
-      <p:ext uri="{BB962C8B-B14F-4D97-AF65-F5344CB8AC3E}">
-        <p14:creationId xmlns:p14="http://schemas.microsoft.com/office/powerpoint/2010/main" val="1727677230"/>
+        <p14:creationId xmlns:p14="http://schemas.microsoft.com/office/powerpoint/2010/main" val="2906665996"/>
       </p:ext>
     </p:extLst>
   </p:cSld>
@@ -4952,12 +4108,14 @@
         </p:nvSpPr>
         <p:spPr/>
         <p:txBody>
-          <a:bodyPr/>
+          <a:bodyPr>
+            <a:normAutofit fontScale="90000"/>
+          </a:bodyPr>
           <a:lstStyle/>
           <a:p>
             <a:r>
               <a:rPr lang="en-US" dirty="0" smtClean="0"/>
-              <a:t>Things to Cover</a:t>
+              <a:t>Common Rules for Schematic Design</a:t>
             </a:r>
             <a:endParaRPr lang="en-US" dirty="0"/>
           </a:p>
@@ -4975,36 +4133,73 @@
         </p:nvSpPr>
         <p:spPr/>
         <p:txBody>
-          <a:bodyPr/>
+          <a:bodyPr>
+            <a:normAutofit lnSpcReduction="10000"/>
+          </a:bodyPr>
           <a:lstStyle/>
           <a:p>
             <a:r>
               <a:rPr lang="en-US" dirty="0" smtClean="0"/>
-              <a:t>Setting up GitHub</a:t>
-            </a:r>
-          </a:p>
-          <a:p>
-            <a:r>
-              <a:rPr lang="en-US" dirty="0" smtClean="0"/>
-              <a:t>Connecting Workshop Materials</a:t>
-            </a:r>
-          </a:p>
-          <a:p>
-            <a:r>
-              <a:rPr lang="en-US" dirty="0" smtClean="0"/>
-              <a:t>Setting up Eagle CAD</a:t>
-            </a:r>
-          </a:p>
-          <a:p>
-            <a:r>
-              <a:rPr lang="en-US" dirty="0" smtClean="0"/>
-              <a:t>Setting up folders and files</a:t>
-            </a:r>
-          </a:p>
-          <a:p>
-            <a:r>
-              <a:rPr lang="en-US" smtClean="0"/>
-              <a:t>Modifying settings</a:t>
+              <a:t>Use Component Designators</a:t>
+            </a:r>
+          </a:p>
+          <a:p>
+            <a:r>
+              <a:rPr lang="en-US" dirty="0" smtClean="0"/>
+              <a:t>Clear up text</a:t>
+            </a:r>
+          </a:p>
+          <a:p>
+            <a:r>
+              <a:rPr lang="en-US" dirty="0" smtClean="0"/>
+              <a:t>High Top Low Bottom (HTLB)</a:t>
+            </a:r>
+          </a:p>
+          <a:p>
+            <a:r>
+              <a:rPr lang="en-US" dirty="0" smtClean="0"/>
+              <a:t>Left-to-Right</a:t>
+            </a:r>
+          </a:p>
+          <a:p>
+            <a:r>
+              <a:rPr lang="en-US" dirty="0" smtClean="0"/>
+              <a:t>Common </a:t>
+            </a:r>
+            <a:r>
+              <a:rPr lang="en-US" dirty="0" err="1" smtClean="0"/>
+              <a:t>Subcircuits</a:t>
+            </a:r>
+            <a:endParaRPr lang="en-US" dirty="0" smtClean="0"/>
+          </a:p>
+          <a:p>
+            <a:r>
+              <a:rPr lang="en-US" dirty="0" smtClean="0"/>
+              <a:t>Direct connections</a:t>
+            </a:r>
+          </a:p>
+          <a:p>
+            <a:r>
+              <a:rPr lang="en-US" dirty="0" smtClean="0"/>
+              <a:t>Visualization</a:t>
+            </a:r>
+          </a:p>
+          <a:p>
+            <a:r>
+              <a:rPr lang="en-US" dirty="0" smtClean="0"/>
+              <a:t>Short and concise names</a:t>
+            </a:r>
+          </a:p>
+          <a:p>
+            <a:r>
+              <a:rPr lang="en-US" dirty="0" smtClean="0"/>
+              <a:t>UPPER CASES</a:t>
+            </a:r>
+          </a:p>
+          <a:p>
+            <a:r>
+              <a:rPr lang="en-US" dirty="0" smtClean="0"/>
+              <a:t>Dots Connects, Crosses Don’t (DCCD)</a:t>
             </a:r>
             <a:endParaRPr lang="en-US" dirty="0"/>
           </a:p>
@@ -5013,20 +4208,13 @@
     </p:spTree>
     <p:extLst>
       <p:ext uri="{BB962C8B-B14F-4D97-AF65-F5344CB8AC3E}">
-        <p14:creationId xmlns:p14="http://schemas.microsoft.com/office/powerpoint/2010/main" val="2757924259"/>
+        <p14:creationId xmlns:p14="http://schemas.microsoft.com/office/powerpoint/2010/main" val="2485012508"/>
       </p:ext>
     </p:extLst>
   </p:cSld>
   <p:clrMapOvr>
     <a:masterClrMapping/>
   </p:clrMapOvr>
-  <p:timing>
-    <p:tnLst>
-      <p:par>
-        <p:cTn id="1" dur="indefinite" restart="never" nodeType="tmRoot"/>
-      </p:par>
-    </p:tnLst>
-  </p:timing>
 </p:sld>
 </file>
 
@@ -5064,7 +4252,7 @@
           <a:p>
             <a:r>
               <a:rPr lang="en-US" dirty="0" smtClean="0"/>
-              <a:t>GitHub?</a:t>
+              <a:t>Use Component Designators!</a:t>
             </a:r>
             <a:endParaRPr lang="en-US" dirty="0"/>
           </a:p>
@@ -5082,49 +4270,79 @@
         </p:nvSpPr>
         <p:spPr/>
         <p:txBody>
-          <a:bodyPr/>
+          <a:bodyPr>
+            <a:normAutofit lnSpcReduction="10000"/>
+          </a:bodyPr>
           <a:lstStyle/>
           <a:p>
             <a:r>
               <a:rPr lang="en-US" dirty="0" smtClean="0"/>
-              <a:t>Version control system for tracking version changes throughout different people.</a:t>
-            </a:r>
-          </a:p>
-          <a:p>
-            <a:r>
-              <a:rPr lang="en-US" dirty="0" smtClean="0"/>
-              <a:t>Mainly used by programmers for source code management</a:t>
-            </a:r>
-          </a:p>
-          <a:p>
-            <a:r>
-              <a:rPr lang="en-US" dirty="0" smtClean="0"/>
-              <a:t>Can be used for any files however</a:t>
+              <a:t>Will talk more about this in first few files.</a:t>
+            </a:r>
+          </a:p>
+          <a:p>
+            <a:r>
+              <a:rPr lang="en-US" dirty="0" smtClean="0"/>
+              <a:t>ASME Y14.44-2008 or IEEE 315-1975</a:t>
+            </a:r>
+            <a:br>
+              <a:rPr lang="en-US" dirty="0" smtClean="0"/>
+            </a:br>
+            <a:r>
+              <a:rPr lang="en-US" dirty="0" smtClean="0"/>
+              <a:t>How to properly reference and annotate.</a:t>
+            </a:r>
+          </a:p>
+          <a:p>
+            <a:r>
+              <a:rPr lang="en-US" dirty="0" smtClean="0"/>
+              <a:t>To name a few…</a:t>
             </a:r>
           </a:p>
           <a:p>
             <a:pPr lvl="1"/>
             <a:r>
               <a:rPr lang="en-US" dirty="0" smtClean="0"/>
-              <a:t>Design files for CAD</a:t>
+              <a:t>C is for Capacitor</a:t>
             </a:r>
           </a:p>
           <a:p>
             <a:pPr lvl="1"/>
             <a:r>
               <a:rPr lang="en-US" dirty="0" smtClean="0"/>
-              <a:t>Text files</a:t>
+              <a:t>F is for Fuse</a:t>
             </a:r>
           </a:p>
           <a:p>
             <a:pPr lvl="1"/>
             <a:r>
               <a:rPr lang="en-US" dirty="0" smtClean="0"/>
+              <a:t>R is for Resistor</a:t>
+            </a:r>
+          </a:p>
+          <a:p>
+            <a:pPr lvl="1"/>
+            <a:r>
+              <a:rPr lang="en-US" dirty="0" smtClean="0"/>
+              <a:t>J is for Jack</a:t>
+            </a:r>
+          </a:p>
+          <a:p>
+            <a:pPr lvl="1"/>
+            <a:r>
+              <a:rPr lang="en-US" dirty="0" smtClean="0"/>
+              <a:t>P is for Plug</a:t>
+            </a:r>
+          </a:p>
+          <a:p>
+            <a:pPr lvl="1"/>
+            <a:r>
+              <a:rPr lang="en-US" dirty="0" err="1" smtClean="0"/>
               <a:t>Etc</a:t>
             </a:r>
             <a:r>
-              <a:rPr lang="en-US" dirty="0"/>
-              <a:t>.</a:t>
+              <a:rPr lang="en-US" dirty="0" smtClean="0"/>
+              <a:t>…</a:t>
             </a:r>
           </a:p>
         </p:txBody>
@@ -5132,20 +4350,13 @@
     </p:spTree>
     <p:extLst>
       <p:ext uri="{BB962C8B-B14F-4D97-AF65-F5344CB8AC3E}">
-        <p14:creationId xmlns:p14="http://schemas.microsoft.com/office/powerpoint/2010/main" val="857978408"/>
+        <p14:creationId xmlns:p14="http://schemas.microsoft.com/office/powerpoint/2010/main" val="1471605635"/>
       </p:ext>
     </p:extLst>
   </p:cSld>
   <p:clrMapOvr>
     <a:masterClrMapping/>
   </p:clrMapOvr>
-  <p:timing>
-    <p:tnLst>
-      <p:par>
-        <p:cTn id="1" dur="indefinite" restart="never" nodeType="tmRoot"/>
-      </p:par>
-    </p:tnLst>
-  </p:timing>
 </p:sld>
 </file>
 
@@ -5183,58 +4394,200 @@
           <a:p>
             <a:r>
               <a:rPr lang="en-US" dirty="0" smtClean="0"/>
-              <a:t>Create Account</a:t>
+              <a:t>Clear Up Text!</a:t>
             </a:r>
             <a:endParaRPr lang="en-US" dirty="0"/>
           </a:p>
         </p:txBody>
       </p:sp>
-      <p:pic>
-        <p:nvPicPr>
-          <p:cNvPr id="4" name="Content Placeholder 3"/>
-          <p:cNvPicPr>
-            <a:picLocks noGrp="1" noChangeAspect="1"/>
-          </p:cNvPicPr>
+      <p:sp>
+        <p:nvSpPr>
+          <p:cNvPr id="3" name="Content Placeholder 2"/>
+          <p:cNvSpPr>
+            <a:spLocks noGrp="1"/>
+          </p:cNvSpPr>
           <p:nvPr>
             <p:ph idx="1"/>
           </p:nvPr>
-        </p:nvPicPr>
-        <p:blipFill>
-          <a:blip r:embed="rId2">
-            <a:extLst>
-              <a:ext uri="{28A0092B-C50C-407E-A947-70E740481C1C}">
-                <a14:useLocalDpi xmlns:a14="http://schemas.microsoft.com/office/drawing/2010/main" val="0"/>
-              </a:ext>
-            </a:extLst>
-          </a:blip>
-          <a:stretch>
-            <a:fillRect/>
-          </a:stretch>
-        </p:blipFill>
+        </p:nvSpPr>
+        <p:spPr/>
+        <p:txBody>
+          <a:bodyPr/>
+          <a:lstStyle/>
+          <a:p>
+            <a:r>
+              <a:rPr lang="en-US" dirty="0" smtClean="0"/>
+              <a:t>If your symbol is pointing like this…</a:t>
+            </a:r>
+          </a:p>
+          <a:p>
+            <a:endParaRPr lang="en-US" dirty="0"/>
+          </a:p>
+          <a:p>
+            <a:endParaRPr lang="en-US" dirty="0" smtClean="0"/>
+          </a:p>
+          <a:p>
+            <a:endParaRPr lang="en-US" dirty="0"/>
+          </a:p>
+          <a:p>
+            <a:r>
+              <a:rPr lang="en-US" dirty="0" smtClean="0"/>
+              <a:t>If you happen to rotate your symbol…</a:t>
+            </a:r>
+            <a:endParaRPr lang="en-US" dirty="0"/>
+          </a:p>
+        </p:txBody>
+      </p:sp>
+      <p:sp>
+        <p:nvSpPr>
+          <p:cNvPr id="4" name="Right Arrow 3"/>
+          <p:cNvSpPr/>
+          <p:nvPr/>
+        </p:nvSpPr>
         <p:spPr>
           <a:xfrm>
-            <a:off x="457200" y="1524000"/>
-            <a:ext cx="8229600" cy="4067651"/>
-          </a:xfrm>
-        </p:spPr>
-      </p:pic>
+            <a:off x="3505200" y="2480094"/>
+            <a:ext cx="1752600" cy="609600"/>
+          </a:xfrm>
+          <a:prstGeom prst="rightArrow">
+            <a:avLst/>
+          </a:prstGeom>
+        </p:spPr>
+        <p:style>
+          <a:lnRef idx="2">
+            <a:schemeClr val="accent1">
+              <a:shade val="50000"/>
+            </a:schemeClr>
+          </a:lnRef>
+          <a:fillRef idx="1">
+            <a:schemeClr val="accent1"/>
+          </a:fillRef>
+          <a:effectRef idx="0">
+            <a:schemeClr val="accent1"/>
+          </a:effectRef>
+          <a:fontRef idx="minor">
+            <a:schemeClr val="lt1"/>
+          </a:fontRef>
+        </p:style>
+        <p:txBody>
+          <a:bodyPr rtlCol="0" anchor="ctr"/>
+          <a:lstStyle/>
+          <a:p>
+            <a:pPr algn="ctr"/>
+            <a:endParaRPr lang="en-US"/>
+          </a:p>
+        </p:txBody>
+      </p:sp>
+      <p:sp>
+        <p:nvSpPr>
+          <p:cNvPr id="5" name="TextBox 4"/>
+          <p:cNvSpPr txBox="1"/>
+          <p:nvPr/>
+        </p:nvSpPr>
+        <p:spPr>
+          <a:xfrm>
+            <a:off x="3886200" y="2971800"/>
+            <a:ext cx="1371600" cy="369332"/>
+          </a:xfrm>
+          <a:prstGeom prst="rect">
+            <a:avLst/>
+          </a:prstGeom>
+          <a:noFill/>
+        </p:spPr>
+        <p:txBody>
+          <a:bodyPr wrap="square" rtlCol="0">
+            <a:spAutoFit/>
+          </a:bodyPr>
+          <a:lstStyle/>
+          <a:p>
+            <a:r>
+              <a:rPr lang="en-US" dirty="0" smtClean="0"/>
+              <a:t>Label</a:t>
+            </a:r>
+            <a:endParaRPr lang="en-US" dirty="0"/>
+          </a:p>
+        </p:txBody>
+      </p:sp>
+      <p:sp>
+        <p:nvSpPr>
+          <p:cNvPr id="6" name="Right Arrow 5"/>
+          <p:cNvSpPr/>
+          <p:nvPr/>
+        </p:nvSpPr>
+        <p:spPr>
+          <a:xfrm rot="5400000">
+            <a:off x="3276600" y="4648200"/>
+            <a:ext cx="1752600" cy="609600"/>
+          </a:xfrm>
+          <a:prstGeom prst="rightArrow">
+            <a:avLst/>
+          </a:prstGeom>
+        </p:spPr>
+        <p:style>
+          <a:lnRef idx="2">
+            <a:schemeClr val="accent1">
+              <a:shade val="50000"/>
+            </a:schemeClr>
+          </a:lnRef>
+          <a:fillRef idx="1">
+            <a:schemeClr val="accent1"/>
+          </a:fillRef>
+          <a:effectRef idx="0">
+            <a:schemeClr val="accent1"/>
+          </a:effectRef>
+          <a:fontRef idx="minor">
+            <a:schemeClr val="lt1"/>
+          </a:fontRef>
+        </p:style>
+        <p:txBody>
+          <a:bodyPr rtlCol="0" anchor="ctr"/>
+          <a:lstStyle/>
+          <a:p>
+            <a:pPr algn="ctr"/>
+            <a:endParaRPr lang="en-US"/>
+          </a:p>
+        </p:txBody>
+      </p:sp>
+      <p:sp>
+        <p:nvSpPr>
+          <p:cNvPr id="7" name="TextBox 6"/>
+          <p:cNvSpPr txBox="1"/>
+          <p:nvPr/>
+        </p:nvSpPr>
+        <p:spPr>
+          <a:xfrm rot="5400000">
+            <a:off x="3080266" y="4958834"/>
+            <a:ext cx="1371600" cy="369332"/>
+          </a:xfrm>
+          <a:prstGeom prst="rect">
+            <a:avLst/>
+          </a:prstGeom>
+          <a:noFill/>
+        </p:spPr>
+        <p:txBody>
+          <a:bodyPr wrap="square" rtlCol="0">
+            <a:spAutoFit/>
+          </a:bodyPr>
+          <a:lstStyle/>
+          <a:p>
+            <a:r>
+              <a:rPr lang="en-US" dirty="0" smtClean="0"/>
+              <a:t>Label</a:t>
+            </a:r>
+            <a:endParaRPr lang="en-US" dirty="0"/>
+          </a:p>
+        </p:txBody>
+      </p:sp>
     </p:spTree>
     <p:extLst>
       <p:ext uri="{BB962C8B-B14F-4D97-AF65-F5344CB8AC3E}">
-        <p14:creationId xmlns:p14="http://schemas.microsoft.com/office/powerpoint/2010/main" val="178594397"/>
+        <p14:creationId xmlns:p14="http://schemas.microsoft.com/office/powerpoint/2010/main" val="683678702"/>
       </p:ext>
     </p:extLst>
   </p:cSld>
   <p:clrMapOvr>
     <a:masterClrMapping/>
   </p:clrMapOvr>
-  <p:timing>
-    <p:tnLst>
-      <p:par>
-        <p:cTn id="1" dur="indefinite" restart="never" nodeType="tmRoot"/>
-      </p:par>
-    </p:tnLst>
-  </p:timing>
 </p:sld>
 </file>
 
@@ -5272,90 +4625,50 @@
           <a:p>
             <a:r>
               <a:rPr lang="en-US" dirty="0" smtClean="0"/>
-              <a:t>Download GitHub Desktop</a:t>
+              <a:t>High Top Low Bottom!</a:t>
             </a:r>
             <a:endParaRPr lang="en-US" dirty="0"/>
           </a:p>
         </p:txBody>
       </p:sp>
-      <p:pic>
-        <p:nvPicPr>
-          <p:cNvPr id="4" name="Content Placeholder 3"/>
-          <p:cNvPicPr>
-            <a:picLocks noGrp="1" noChangeAspect="1"/>
-          </p:cNvPicPr>
+      <p:sp>
+        <p:nvSpPr>
+          <p:cNvPr id="3" name="Content Placeholder 2"/>
+          <p:cNvSpPr>
+            <a:spLocks noGrp="1"/>
+          </p:cNvSpPr>
           <p:nvPr>
             <p:ph idx="1"/>
           </p:nvPr>
-        </p:nvPicPr>
-        <p:blipFill>
-          <a:blip r:embed="rId2">
-            <a:extLst>
-              <a:ext uri="{28A0092B-C50C-407E-A947-70E740481C1C}">
-                <a14:useLocalDpi xmlns:a14="http://schemas.microsoft.com/office/drawing/2010/main" val="0"/>
-              </a:ext>
-            </a:extLst>
-          </a:blip>
-          <a:stretch>
-            <a:fillRect/>
-          </a:stretch>
-        </p:blipFill>
-        <p:spPr>
-          <a:xfrm>
-            <a:off x="457200" y="1524000"/>
-            <a:ext cx="8229600" cy="1324451"/>
-          </a:xfrm>
-        </p:spPr>
-      </p:pic>
-      <p:sp>
-        <p:nvSpPr>
-          <p:cNvPr id="7" name="TextBox 6"/>
-          <p:cNvSpPr txBox="1"/>
-          <p:nvPr/>
-        </p:nvSpPr>
-        <p:spPr>
-          <a:xfrm>
-            <a:off x="457200" y="2895600"/>
-            <a:ext cx="8229600" cy="1477328"/>
-          </a:xfrm>
-          <a:prstGeom prst="rect">
-            <a:avLst/>
-          </a:prstGeom>
-          <a:noFill/>
-        </p:spPr>
-        <p:txBody>
-          <a:bodyPr wrap="square" rtlCol="0">
-            <a:spAutoFit/>
-          </a:bodyPr>
+        </p:nvSpPr>
+        <p:spPr/>
+        <p:txBody>
+          <a:bodyPr/>
           <a:lstStyle/>
           <a:p>
             <a:r>
-              <a:rPr lang="en-US" dirty="0" smtClean="0">
-                <a:hlinkClick r:id="rId3"/>
-              </a:rPr>
-              <a:t>https://desktop.github.com/</a:t>
-            </a:r>
-            <a:endParaRPr lang="en-US" dirty="0" smtClean="0"/>
-          </a:p>
-          <a:p>
-            <a:r>
-              <a:rPr lang="en-US" dirty="0" smtClean="0"/>
-              <a:t>Be sure to download Stable version located at the bottom!</a:t>
-            </a:r>
-          </a:p>
-          <a:p>
-            <a:endParaRPr lang="en-US" dirty="0"/>
-          </a:p>
-          <a:p>
-            <a:r>
-              <a:rPr lang="en-US" dirty="0" smtClean="0"/>
-              <a:t>Once download is complete, install, and launch the application.</a:t>
-            </a:r>
-          </a:p>
-          <a:p>
-            <a:r>
-              <a:rPr lang="en-US" dirty="0" smtClean="0"/>
-              <a:t>You will be asked to login at first-time launch.</a:t>
+              <a:rPr lang="en-US" dirty="0" smtClean="0"/>
+              <a:t>High Top</a:t>
+            </a:r>
+          </a:p>
+          <a:p>
+            <a:pPr lvl="1"/>
+            <a:r>
+              <a:rPr lang="en-US" dirty="0" smtClean="0"/>
+              <a:t>…Means Higher voltages should placed on top of a schematic</a:t>
+            </a:r>
+          </a:p>
+          <a:p>
+            <a:r>
+              <a:rPr lang="en-US" dirty="0" smtClean="0"/>
+              <a:t>Low Bottom</a:t>
+            </a:r>
+          </a:p>
+          <a:p>
+            <a:pPr lvl="1"/>
+            <a:r>
+              <a:rPr lang="en-US" dirty="0" smtClean="0"/>
+              <a:t>…Means Lower voltages should placed on bottom of a schematic</a:t>
             </a:r>
             <a:endParaRPr lang="en-US" dirty="0"/>
           </a:p>
@@ -5364,20 +4677,13 @@
     </p:spTree>
     <p:extLst>
       <p:ext uri="{BB962C8B-B14F-4D97-AF65-F5344CB8AC3E}">
-        <p14:creationId xmlns:p14="http://schemas.microsoft.com/office/powerpoint/2010/main" val="3007774989"/>
+        <p14:creationId xmlns:p14="http://schemas.microsoft.com/office/powerpoint/2010/main" val="4171947468"/>
       </p:ext>
     </p:extLst>
   </p:cSld>
   <p:clrMapOvr>
     <a:masterClrMapping/>
   </p:clrMapOvr>
-  <p:timing>
-    <p:tnLst>
-      <p:par>
-        <p:cTn id="1" dur="indefinite" restart="never" nodeType="tmRoot"/>
-      </p:par>
-    </p:tnLst>
-  </p:timing>
 </p:sld>
 </file>
 
@@ -5398,200 +4704,68 @@
           <a:chExt cx="0" cy="0"/>
         </a:xfrm>
       </p:grpSpPr>
-      <p:pic>
-        <p:nvPicPr>
-          <p:cNvPr id="4" name="Content Placeholder 3"/>
-          <p:cNvPicPr>
-            <a:picLocks noGrp="1" noChangeAspect="1"/>
-          </p:cNvPicPr>
+      <p:sp>
+        <p:nvSpPr>
+          <p:cNvPr id="2" name="Title 1"/>
+          <p:cNvSpPr>
+            <a:spLocks noGrp="1"/>
+          </p:cNvSpPr>
+          <p:nvPr>
+            <p:ph type="title"/>
+          </p:nvPr>
+        </p:nvSpPr>
+        <p:spPr/>
+        <p:txBody>
+          <a:bodyPr/>
+          <a:lstStyle/>
+          <a:p>
+            <a:r>
+              <a:rPr lang="en-US" dirty="0" smtClean="0"/>
+              <a:t>Left-to-Right</a:t>
+            </a:r>
+            <a:endParaRPr lang="en-US" dirty="0"/>
+          </a:p>
+        </p:txBody>
+      </p:sp>
+      <p:sp>
+        <p:nvSpPr>
+          <p:cNvPr id="3" name="Content Placeholder 2"/>
+          <p:cNvSpPr>
+            <a:spLocks noGrp="1"/>
+          </p:cNvSpPr>
           <p:nvPr>
             <p:ph idx="1"/>
           </p:nvPr>
-        </p:nvPicPr>
-        <p:blipFill>
-          <a:blip r:embed="rId2">
-            <a:extLst>
-              <a:ext uri="{28A0092B-C50C-407E-A947-70E740481C1C}">
-                <a14:useLocalDpi xmlns:a14="http://schemas.microsoft.com/office/drawing/2010/main" val="0"/>
-              </a:ext>
-            </a:extLst>
-          </a:blip>
-          <a:stretch>
-            <a:fillRect/>
-          </a:stretch>
-        </p:blipFill>
-        <p:spPr>
-          <a:xfrm>
-            <a:off x="457200" y="1447800"/>
-            <a:ext cx="8229600" cy="4067651"/>
-          </a:xfrm>
-        </p:spPr>
-      </p:pic>
-      <p:sp>
-        <p:nvSpPr>
-          <p:cNvPr id="2" name="Title 1"/>
-          <p:cNvSpPr>
-            <a:spLocks noGrp="1"/>
-          </p:cNvSpPr>
-          <p:nvPr>
-            <p:ph type="title"/>
-          </p:nvPr>
         </p:nvSpPr>
         <p:spPr/>
         <p:txBody>
-          <a:bodyPr>
-            <a:normAutofit fontScale="90000"/>
-          </a:bodyPr>
+          <a:bodyPr/>
           <a:lstStyle/>
           <a:p>
             <a:r>
               <a:rPr lang="en-US" dirty="0" smtClean="0"/>
-              <a:t>Forking the Original Repository</a:t>
+              <a:t>Flow of schematics, regardless of logic or power, should be moving from left to right.</a:t>
+            </a:r>
+          </a:p>
+          <a:p>
+            <a:r>
+              <a:rPr lang="en-US" dirty="0" smtClean="0"/>
+              <a:t>Combined with HTLB, power flow schematics will have general direction of top-left to bottom-right.</a:t>
             </a:r>
             <a:endParaRPr lang="en-US" dirty="0"/>
-          </a:p>
-        </p:txBody>
-      </p:sp>
-      <p:sp>
-        <p:nvSpPr>
-          <p:cNvPr id="5" name="TextBox 4"/>
-          <p:cNvSpPr txBox="1"/>
-          <p:nvPr/>
-        </p:nvSpPr>
-        <p:spPr>
-          <a:xfrm>
-            <a:off x="457200" y="5562600"/>
-            <a:ext cx="8229600" cy="646331"/>
-          </a:xfrm>
-          <a:prstGeom prst="rect">
-            <a:avLst/>
-          </a:prstGeom>
-          <a:noFill/>
-        </p:spPr>
-        <p:txBody>
-          <a:bodyPr wrap="square" rtlCol="0">
-            <a:spAutoFit/>
-          </a:bodyPr>
-          <a:lstStyle/>
-          <a:p>
-            <a:r>
-              <a:rPr lang="en-US" dirty="0" smtClean="0">
-                <a:hlinkClick r:id="rId3"/>
-              </a:rPr>
-              <a:t>https://github.com/CSPon/Workshop_Materials</a:t>
-            </a:r>
-            <a:endParaRPr lang="en-US" dirty="0" smtClean="0"/>
-          </a:p>
-          <a:p>
-            <a:endParaRPr lang="en-US" dirty="0" smtClean="0"/>
-          </a:p>
-        </p:txBody>
-      </p:sp>
-      <p:sp>
-        <p:nvSpPr>
-          <p:cNvPr id="8" name="Up Arrow 7"/>
-          <p:cNvSpPr/>
-          <p:nvPr/>
-        </p:nvSpPr>
-        <p:spPr>
-          <a:xfrm>
-            <a:off x="6324600" y="1926566"/>
-            <a:ext cx="152400" cy="304800"/>
-          </a:xfrm>
-          <a:prstGeom prst="upArrow">
-            <a:avLst/>
-          </a:prstGeom>
-        </p:spPr>
-        <p:style>
-          <a:lnRef idx="2">
-            <a:schemeClr val="accent1">
-              <a:shade val="50000"/>
-            </a:schemeClr>
-          </a:lnRef>
-          <a:fillRef idx="1">
-            <a:schemeClr val="accent1"/>
-          </a:fillRef>
-          <a:effectRef idx="0">
-            <a:schemeClr val="accent1"/>
-          </a:effectRef>
-          <a:fontRef idx="minor">
-            <a:schemeClr val="lt1"/>
-          </a:fontRef>
-        </p:style>
-        <p:txBody>
-          <a:bodyPr rtlCol="0" anchor="ctr"/>
-          <a:lstStyle/>
-          <a:p>
-            <a:pPr algn="ctr"/>
-            <a:endParaRPr lang="en-US"/>
-          </a:p>
-        </p:txBody>
-      </p:sp>
-      <p:sp>
-        <p:nvSpPr>
-          <p:cNvPr id="9" name="TextBox 8"/>
-          <p:cNvSpPr txBox="1"/>
-          <p:nvPr/>
-        </p:nvSpPr>
-        <p:spPr>
-          <a:xfrm>
-            <a:off x="6477000" y="2078966"/>
-            <a:ext cx="1981200" cy="923330"/>
-          </a:xfrm>
-          <a:prstGeom prst="rect">
-            <a:avLst/>
-          </a:prstGeom>
-          <a:noFill/>
-        </p:spPr>
-        <p:txBody>
-          <a:bodyPr wrap="square" rtlCol="0">
-            <a:spAutoFit/>
-          </a:bodyPr>
-          <a:lstStyle/>
-          <a:p>
-            <a:r>
-              <a:rPr lang="en-US" dirty="0" smtClean="0">
-                <a:solidFill>
-                  <a:schemeClr val="bg1"/>
-                </a:solidFill>
-              </a:rPr>
-              <a:t>Press the button,</a:t>
-            </a:r>
-          </a:p>
-          <a:p>
-            <a:r>
-              <a:rPr lang="en-US" dirty="0" smtClean="0">
-                <a:solidFill>
-                  <a:schemeClr val="bg1"/>
-                </a:solidFill>
-              </a:rPr>
-              <a:t>NOT the number!</a:t>
-            </a:r>
-            <a:endParaRPr lang="en-US" dirty="0">
-              <a:solidFill>
-                <a:schemeClr val="bg1"/>
-              </a:solidFill>
-            </a:endParaRPr>
           </a:p>
         </p:txBody>
       </p:sp>
     </p:spTree>
     <p:extLst>
       <p:ext uri="{BB962C8B-B14F-4D97-AF65-F5344CB8AC3E}">
-        <p14:creationId xmlns:p14="http://schemas.microsoft.com/office/powerpoint/2010/main" val="3640065307"/>
+        <p14:creationId xmlns:p14="http://schemas.microsoft.com/office/powerpoint/2010/main" val="3596876926"/>
       </p:ext>
     </p:extLst>
   </p:cSld>
   <p:clrMapOvr>
     <a:masterClrMapping/>
   </p:clrMapOvr>
-  <p:timing>
-    <p:tnLst>
-      <p:par>
-        <p:cTn id="1" dur="indefinite" restart="never" nodeType="tmRoot"/>
-      </p:par>
-    </p:tnLst>
-  </p:timing>
 </p:sld>
 </file>
 
@@ -5624,14 +4798,70 @@
         </p:nvSpPr>
         <p:spPr/>
         <p:txBody>
-          <a:bodyPr>
-            <a:normAutofit fontScale="90000"/>
-          </a:bodyPr>
+          <a:bodyPr/>
           <a:lstStyle/>
           <a:p>
             <a:r>
               <a:rPr lang="en-US" dirty="0" smtClean="0"/>
-              <a:t>Clone Forked Repo to Computer</a:t>
+              <a:t>Common </a:t>
+            </a:r>
+            <a:r>
+              <a:rPr lang="en-US" dirty="0" err="1" smtClean="0"/>
+              <a:t>Subcircuits</a:t>
+            </a:r>
+            <a:r>
+              <a:rPr lang="en-US" dirty="0" smtClean="0"/>
+              <a:t>!</a:t>
+            </a:r>
+            <a:endParaRPr lang="en-US" dirty="0"/>
+          </a:p>
+        </p:txBody>
+      </p:sp>
+      <p:sp>
+        <p:nvSpPr>
+          <p:cNvPr id="3" name="Content Placeholder 2"/>
+          <p:cNvSpPr>
+            <a:spLocks noGrp="1"/>
+          </p:cNvSpPr>
+          <p:nvPr>
+            <p:ph idx="1"/>
+          </p:nvPr>
+        </p:nvSpPr>
+        <p:spPr/>
+        <p:txBody>
+          <a:bodyPr/>
+          <a:lstStyle/>
+          <a:p>
+            <a:r>
+              <a:rPr lang="en-US" dirty="0" smtClean="0"/>
+              <a:t>Which circuit look familiar to you?</a:t>
+            </a:r>
+          </a:p>
+          <a:p>
+            <a:endParaRPr lang="en-US" dirty="0"/>
+          </a:p>
+          <a:p>
+            <a:endParaRPr lang="en-US" dirty="0" smtClean="0"/>
+          </a:p>
+          <a:p>
+            <a:endParaRPr lang="en-US" dirty="0"/>
+          </a:p>
+          <a:p>
+            <a:endParaRPr lang="en-US" dirty="0" smtClean="0"/>
+          </a:p>
+          <a:p>
+            <a:endParaRPr lang="en-US" dirty="0"/>
+          </a:p>
+          <a:p>
+            <a:endParaRPr lang="en-US" dirty="0" smtClean="0"/>
+          </a:p>
+          <a:p>
+            <a:endParaRPr lang="en-US" dirty="0"/>
+          </a:p>
+          <a:p>
+            <a:r>
+              <a:rPr lang="en-US" dirty="0" smtClean="0"/>
+              <a:t>If you are deciphering, its bad schematic.</a:t>
             </a:r>
             <a:endParaRPr lang="en-US" dirty="0"/>
           </a:p>
@@ -5639,13 +4869,11 @@
       </p:sp>
       <p:pic>
         <p:nvPicPr>
-          <p:cNvPr id="4" name="Content Placeholder 3"/>
+          <p:cNvPr id="4" name="Picture 3"/>
           <p:cNvPicPr>
-            <a:picLocks noGrp="1" noChangeAspect="1"/>
+            <a:picLocks noChangeAspect="1"/>
           </p:cNvPicPr>
-          <p:nvPr>
-            <p:ph idx="1"/>
-          </p:nvPr>
+          <p:nvPr/>
         </p:nvPicPr>
         <p:blipFill>
           <a:blip r:embed="rId2">
@@ -5661,262 +4889,54 @@
         </p:blipFill>
         <p:spPr>
           <a:xfrm>
-            <a:off x="457200" y="1680369"/>
-            <a:ext cx="8229600" cy="4457699"/>
-          </a:xfrm>
-        </p:spPr>
-      </p:pic>
-      <p:sp>
-        <p:nvSpPr>
-          <p:cNvPr id="5" name="Up Arrow 4"/>
-          <p:cNvSpPr/>
-          <p:nvPr/>
-        </p:nvSpPr>
-        <p:spPr>
-          <a:xfrm>
-            <a:off x="508240" y="1955321"/>
-            <a:ext cx="228600" cy="457200"/>
-          </a:xfrm>
-          <a:prstGeom prst="upArrow">
-            <a:avLst/>
-          </a:prstGeom>
-        </p:spPr>
-        <p:style>
-          <a:lnRef idx="2">
-            <a:schemeClr val="accent1">
-              <a:shade val="50000"/>
-            </a:schemeClr>
-          </a:lnRef>
-          <a:fillRef idx="1">
-            <a:schemeClr val="accent1"/>
-          </a:fillRef>
-          <a:effectRef idx="0">
-            <a:schemeClr val="accent1"/>
-          </a:effectRef>
-          <a:fontRef idx="minor">
-            <a:schemeClr val="lt1"/>
-          </a:fontRef>
-        </p:style>
-        <p:txBody>
-          <a:bodyPr rtlCol="0" anchor="ctr"/>
-          <a:lstStyle/>
-          <a:p>
-            <a:pPr algn="ctr"/>
-            <a:endParaRPr lang="en-US"/>
-          </a:p>
-        </p:txBody>
-      </p:sp>
-      <p:sp>
-        <p:nvSpPr>
-          <p:cNvPr id="6" name="Up Arrow 5"/>
-          <p:cNvSpPr/>
-          <p:nvPr/>
-        </p:nvSpPr>
-        <p:spPr>
-          <a:xfrm>
-            <a:off x="1259457" y="2895600"/>
-            <a:ext cx="228600" cy="381000"/>
-          </a:xfrm>
-          <a:prstGeom prst="upArrow">
-            <a:avLst/>
-          </a:prstGeom>
-        </p:spPr>
-        <p:style>
-          <a:lnRef idx="2">
-            <a:schemeClr val="accent1">
-              <a:shade val="50000"/>
-            </a:schemeClr>
-          </a:lnRef>
-          <a:fillRef idx="1">
-            <a:schemeClr val="accent1"/>
-          </a:fillRef>
-          <a:effectRef idx="0">
-            <a:schemeClr val="accent1"/>
-          </a:effectRef>
-          <a:fontRef idx="minor">
-            <a:schemeClr val="lt1"/>
-          </a:fontRef>
-        </p:style>
-        <p:txBody>
-          <a:bodyPr rtlCol="0" anchor="ctr"/>
-          <a:lstStyle/>
-          <a:p>
-            <a:pPr algn="ctr"/>
-            <a:endParaRPr lang="en-US"/>
-          </a:p>
-        </p:txBody>
-      </p:sp>
-      <p:sp>
-        <p:nvSpPr>
-          <p:cNvPr id="7" name="TextBox 6"/>
-          <p:cNvSpPr txBox="1"/>
-          <p:nvPr/>
-        </p:nvSpPr>
-        <p:spPr>
-          <a:xfrm>
-            <a:off x="736840" y="2133600"/>
-            <a:ext cx="2692160" cy="369332"/>
+            <a:off x="1828800" y="2362200"/>
+            <a:ext cx="5039429" cy="819264"/>
           </a:xfrm>
           <a:prstGeom prst="rect">
             <a:avLst/>
           </a:prstGeom>
-          <a:noFill/>
-        </p:spPr>
-        <p:txBody>
-          <a:bodyPr wrap="square" rtlCol="0">
-            <a:spAutoFit/>
-          </a:bodyPr>
-          <a:lstStyle/>
-          <a:p>
-            <a:r>
-              <a:rPr lang="en-US" dirty="0" smtClean="0">
-                <a:solidFill>
-                  <a:schemeClr val="bg1"/>
-                </a:solidFill>
-              </a:rPr>
-              <a:t>Click the + sign</a:t>
-            </a:r>
-            <a:endParaRPr lang="en-US" dirty="0">
-              <a:solidFill>
-                <a:schemeClr val="bg1"/>
-              </a:solidFill>
-            </a:endParaRPr>
-          </a:p>
-        </p:txBody>
-      </p:sp>
-      <p:sp>
-        <p:nvSpPr>
-          <p:cNvPr id="8" name="TextBox 7"/>
-          <p:cNvSpPr txBox="1"/>
+        </p:spPr>
+      </p:pic>
+      <p:pic>
+        <p:nvPicPr>
+          <p:cNvPr id="5" name="Picture 4"/>
+          <p:cNvPicPr>
+            <a:picLocks noChangeAspect="1"/>
+          </p:cNvPicPr>
           <p:nvPr/>
-        </p:nvSpPr>
+        </p:nvPicPr>
+        <p:blipFill>
+          <a:blip r:embed="rId3">
+            <a:extLst>
+              <a:ext uri="{28A0092B-C50C-407E-A947-70E740481C1C}">
+                <a14:useLocalDpi xmlns:a14="http://schemas.microsoft.com/office/drawing/2010/main" val="0"/>
+              </a:ext>
+            </a:extLst>
+          </a:blip>
+          <a:stretch>
+            <a:fillRect/>
+          </a:stretch>
+        </p:blipFill>
         <p:spPr>
           <a:xfrm>
-            <a:off x="1488057" y="3086100"/>
-            <a:ext cx="3617343" cy="646331"/>
+            <a:off x="3200399" y="3352800"/>
+            <a:ext cx="2505425" cy="2219635"/>
           </a:xfrm>
           <a:prstGeom prst="rect">
             <a:avLst/>
           </a:prstGeom>
-          <a:noFill/>
-        </p:spPr>
-        <p:txBody>
-          <a:bodyPr wrap="square" rtlCol="0">
-            <a:spAutoFit/>
-          </a:bodyPr>
-          <a:lstStyle/>
-          <a:p>
-            <a:r>
-              <a:rPr lang="en-US" dirty="0" smtClean="0">
-                <a:solidFill>
-                  <a:schemeClr val="bg1"/>
-                </a:solidFill>
-              </a:rPr>
-              <a:t>Any repo forked from other repo will have little ‘Y’ symbol</a:t>
-            </a:r>
-            <a:endParaRPr lang="en-US" dirty="0">
-              <a:solidFill>
-                <a:schemeClr val="bg1"/>
-              </a:solidFill>
-            </a:endParaRPr>
-          </a:p>
-        </p:txBody>
-      </p:sp>
-      <p:sp>
-        <p:nvSpPr>
-          <p:cNvPr id="9" name="Up Arrow 8"/>
-          <p:cNvSpPr/>
-          <p:nvPr/>
-        </p:nvSpPr>
-        <p:spPr>
-          <a:xfrm>
-            <a:off x="1752600" y="4191000"/>
-            <a:ext cx="330320" cy="609600"/>
-          </a:xfrm>
-          <a:prstGeom prst="upArrow">
-            <a:avLst/>
-          </a:prstGeom>
-        </p:spPr>
-        <p:style>
-          <a:lnRef idx="2">
-            <a:schemeClr val="accent1">
-              <a:shade val="50000"/>
-            </a:schemeClr>
-          </a:lnRef>
-          <a:fillRef idx="1">
-            <a:schemeClr val="accent1"/>
-          </a:fillRef>
-          <a:effectRef idx="0">
-            <a:schemeClr val="accent1"/>
-          </a:effectRef>
-          <a:fontRef idx="minor">
-            <a:schemeClr val="lt1"/>
-          </a:fontRef>
-        </p:style>
-        <p:txBody>
-          <a:bodyPr rtlCol="0" anchor="ctr"/>
-          <a:lstStyle/>
-          <a:p>
-            <a:pPr algn="ctr"/>
-            <a:endParaRPr lang="en-US"/>
-          </a:p>
-        </p:txBody>
-      </p:sp>
-      <p:sp>
-        <p:nvSpPr>
-          <p:cNvPr id="10" name="TextBox 9"/>
-          <p:cNvSpPr txBox="1"/>
-          <p:nvPr/>
-        </p:nvSpPr>
-        <p:spPr>
-          <a:xfrm>
-            <a:off x="2133600" y="4495800"/>
-            <a:ext cx="4114800" cy="369332"/>
-          </a:xfrm>
-          <a:prstGeom prst="rect">
-            <a:avLst/>
-          </a:prstGeom>
-          <a:noFill/>
-        </p:spPr>
-        <p:txBody>
-          <a:bodyPr wrap="square" rtlCol="0">
-            <a:spAutoFit/>
-          </a:bodyPr>
-          <a:lstStyle/>
-          <a:p>
-            <a:r>
-              <a:rPr lang="en-US" dirty="0" smtClean="0">
-                <a:solidFill>
-                  <a:schemeClr val="bg1"/>
-                </a:solidFill>
-              </a:rPr>
-              <a:t>Click to clone repo to your desktop!</a:t>
-            </a:r>
-            <a:endParaRPr lang="en-US" dirty="0">
-              <a:solidFill>
-                <a:schemeClr val="bg1"/>
-              </a:solidFill>
-            </a:endParaRPr>
-          </a:p>
-        </p:txBody>
-      </p:sp>
+        </p:spPr>
+      </p:pic>
     </p:spTree>
     <p:extLst>
       <p:ext uri="{BB962C8B-B14F-4D97-AF65-F5344CB8AC3E}">
-        <p14:creationId xmlns:p14="http://schemas.microsoft.com/office/powerpoint/2010/main" val="700683628"/>
+        <p14:creationId xmlns:p14="http://schemas.microsoft.com/office/powerpoint/2010/main" val="2058627200"/>
       </p:ext>
     </p:extLst>
   </p:cSld>
   <p:clrMapOvr>
     <a:masterClrMapping/>
   </p:clrMapOvr>
-  <p:timing>
-    <p:tnLst>
-      <p:par>
-        <p:cTn id="1" dur="indefinite" restart="never" nodeType="tmRoot"/>
-      </p:par>
-    </p:tnLst>
-  </p:timing>
 </p:sld>
 </file>
 
@@ -5954,7 +4974,7 @@
           <a:p>
             <a:r>
               <a:rPr lang="en-US" dirty="0" smtClean="0"/>
-              <a:t>To Update Repository…</a:t>
+              <a:t>Direct Connections!</a:t>
             </a:r>
             <a:endParaRPr lang="en-US" dirty="0"/>
           </a:p>
@@ -5977,131 +4997,22 @@
           <a:p>
             <a:r>
               <a:rPr lang="en-US" dirty="0" smtClean="0"/>
-              <a:t>Whenever new material is added to my original repository, you must update your forked repository to apply changes.</a:t>
-            </a:r>
-          </a:p>
-          <a:p>
-            <a:r>
-              <a:rPr lang="en-US" dirty="0" smtClean="0"/>
-              <a:t>To do so, simply click on ‘sync’ button, then click on ‘Update from …/master’</a:t>
-            </a:r>
-          </a:p>
-        </p:txBody>
-      </p:sp>
-      <p:pic>
-        <p:nvPicPr>
-          <p:cNvPr id="4" name="Picture 3"/>
-          <p:cNvPicPr>
-            <a:picLocks noChangeAspect="1"/>
-          </p:cNvPicPr>
-          <p:nvPr/>
-        </p:nvPicPr>
-        <p:blipFill>
-          <a:blip r:embed="rId2">
-            <a:extLst>
-              <a:ext uri="{28A0092B-C50C-407E-A947-70E740481C1C}">
-                <a14:useLocalDpi xmlns:a14="http://schemas.microsoft.com/office/drawing/2010/main" val="0"/>
-              </a:ext>
-            </a:extLst>
-          </a:blip>
-          <a:stretch>
-            <a:fillRect/>
-          </a:stretch>
-        </p:blipFill>
-        <p:spPr>
-          <a:xfrm>
-            <a:off x="228600" y="4114800"/>
-            <a:ext cx="8610600" cy="762000"/>
-          </a:xfrm>
-          <a:prstGeom prst="rect">
-            <a:avLst/>
-          </a:prstGeom>
-        </p:spPr>
-      </p:pic>
-      <p:sp>
-        <p:nvSpPr>
-          <p:cNvPr id="5" name="Up Arrow 4"/>
-          <p:cNvSpPr/>
-          <p:nvPr/>
-        </p:nvSpPr>
-        <p:spPr>
-          <a:xfrm>
-            <a:off x="8458200" y="4495800"/>
-            <a:ext cx="152400" cy="381000"/>
-          </a:xfrm>
-          <a:prstGeom prst="upArrow">
-            <a:avLst/>
-          </a:prstGeom>
-        </p:spPr>
-        <p:style>
-          <a:lnRef idx="2">
-            <a:schemeClr val="accent1">
-              <a:shade val="50000"/>
-            </a:schemeClr>
-          </a:lnRef>
-          <a:fillRef idx="1">
-            <a:schemeClr val="accent1"/>
-          </a:fillRef>
-          <a:effectRef idx="0">
-            <a:schemeClr val="accent1"/>
-          </a:effectRef>
-          <a:fontRef idx="minor">
-            <a:schemeClr val="lt1"/>
-          </a:fontRef>
-        </p:style>
-        <p:txBody>
-          <a:bodyPr rtlCol="0" anchor="ctr"/>
-          <a:lstStyle/>
-          <a:p>
-            <a:pPr algn="ctr"/>
-            <a:endParaRPr lang="en-US"/>
-          </a:p>
-        </p:txBody>
-      </p:sp>
-      <p:sp>
-        <p:nvSpPr>
-          <p:cNvPr id="6" name="Up Arrow 5"/>
-          <p:cNvSpPr/>
-          <p:nvPr/>
-        </p:nvSpPr>
-        <p:spPr>
-          <a:xfrm>
-            <a:off x="533400" y="4463451"/>
-            <a:ext cx="152400" cy="381000"/>
-          </a:xfrm>
-          <a:prstGeom prst="upArrow">
-            <a:avLst/>
-          </a:prstGeom>
-        </p:spPr>
-        <p:style>
-          <a:lnRef idx="2">
-            <a:schemeClr val="accent1">
-              <a:shade val="50000"/>
-            </a:schemeClr>
-          </a:lnRef>
-          <a:fillRef idx="1">
-            <a:schemeClr val="accent1"/>
-          </a:fillRef>
-          <a:effectRef idx="0">
-            <a:schemeClr val="accent1"/>
-          </a:effectRef>
-          <a:fontRef idx="minor">
-            <a:schemeClr val="lt1"/>
-          </a:fontRef>
-        </p:style>
-        <p:txBody>
-          <a:bodyPr rtlCol="0" anchor="ctr"/>
-          <a:lstStyle/>
-          <a:p>
-            <a:pPr algn="ctr"/>
-            <a:endParaRPr lang="en-US"/>
+              <a:t>If possible, make direct connections as many as possible.</a:t>
+            </a:r>
+          </a:p>
+          <a:p>
+            <a:r>
+              <a:rPr lang="en-US" dirty="0" smtClean="0"/>
+              <a:t>If size is limited, that is fine; make isolated connection, but…</a:t>
+            </a:r>
+            <a:endParaRPr lang="en-US" dirty="0"/>
           </a:p>
         </p:txBody>
       </p:sp>
     </p:spTree>
     <p:extLst>
       <p:ext uri="{BB962C8B-B14F-4D97-AF65-F5344CB8AC3E}">
-        <p14:creationId xmlns:p14="http://schemas.microsoft.com/office/powerpoint/2010/main" val="1630778241"/>
+        <p14:creationId xmlns:p14="http://schemas.microsoft.com/office/powerpoint/2010/main" val="3383010882"/>
       </p:ext>
     </p:extLst>
   </p:cSld>
@@ -6140,14 +5051,12 @@
         </p:nvSpPr>
         <p:spPr/>
         <p:txBody>
-          <a:bodyPr>
-            <a:normAutofit fontScale="90000"/>
-          </a:bodyPr>
+          <a:bodyPr/>
           <a:lstStyle/>
           <a:p>
             <a:r>
               <a:rPr lang="en-US" dirty="0" smtClean="0"/>
-              <a:t>To Update Repository…(Cont.)</a:t>
+              <a:t>Visualization!</a:t>
             </a:r>
             <a:endParaRPr lang="en-US" dirty="0"/>
           </a:p>
@@ -6170,54 +5079,14 @@
           <a:p>
             <a:r>
               <a:rPr lang="en-US" dirty="0" smtClean="0"/>
-              <a:t>If however, repository fails to update, you may ‘force’ update by using shell command.</a:t>
-            </a:r>
-          </a:p>
-          <a:p>
-            <a:r>
-              <a:rPr lang="en-US" dirty="0" smtClean="0"/>
-              <a:t>Right click on forked repository, then click ‘Open in </a:t>
-            </a:r>
-            <a:r>
-              <a:rPr lang="en-US" dirty="0" err="1" smtClean="0"/>
-              <a:t>Git</a:t>
-            </a:r>
-            <a:r>
-              <a:rPr lang="en-US" dirty="0" smtClean="0"/>
-              <a:t> Shell’</a:t>
-            </a:r>
-          </a:p>
-          <a:p>
-            <a:r>
-              <a:rPr lang="en-US" dirty="0" smtClean="0"/>
-              <a:t>Once the shell opens, type</a:t>
-            </a:r>
-            <a:br>
-              <a:rPr lang="en-US" dirty="0" smtClean="0"/>
-            </a:br>
-            <a:r>
-              <a:rPr lang="en-US" sz="2000" dirty="0" err="1" smtClean="0"/>
-              <a:t>git</a:t>
-            </a:r>
-            <a:r>
-              <a:rPr lang="en-US" sz="2000" dirty="0" smtClean="0"/>
-              <a:t> pull </a:t>
-            </a:r>
-            <a:r>
-              <a:rPr lang="en-US" sz="2000" dirty="0" smtClean="0">
-                <a:hlinkClick r:id="rId2"/>
-              </a:rPr>
-              <a:t>https://github.com/CSPon/Workshop_Materials.git</a:t>
-            </a:r>
-            <a:endParaRPr lang="en-US" sz="2000" dirty="0" smtClean="0"/>
-          </a:p>
-          <a:p>
-            <a:r>
-              <a:rPr lang="en-US" dirty="0" smtClean="0"/>
-              <a:t>Be sure to have YOUR repository opened before sending the command!</a:t>
-            </a:r>
-          </a:p>
-          <a:p>
+              <a:t>…Label your nets if they are ISOLATED!</a:t>
+            </a:r>
+          </a:p>
+          <a:p>
+            <a:r>
+              <a:rPr lang="en-US" dirty="0" smtClean="0"/>
+              <a:t>Any net/wire that are isolated from actual circuit, MUST be labelled to follow.</a:t>
+            </a:r>
             <a:endParaRPr lang="en-US" dirty="0"/>
           </a:p>
         </p:txBody>
@@ -6225,7 +5094,7 @@
     </p:spTree>
     <p:extLst>
       <p:ext uri="{BB962C8B-B14F-4D97-AF65-F5344CB8AC3E}">
-        <p14:creationId xmlns:p14="http://schemas.microsoft.com/office/powerpoint/2010/main" val="3385458245"/>
+        <p14:creationId xmlns:p14="http://schemas.microsoft.com/office/powerpoint/2010/main" val="4219647491"/>
       </p:ext>
     </p:extLst>
   </p:cSld>
